--- a/第二章/1_Worksheet1_姓名_我的PMF画布.pptx
+++ b/第二章/1_Worksheet1_姓名_我的PMF画布.pptx
@@ -1,18 +1,15 @@
 
 <file path=ppt/presentation.xml><?xml version="1.0" encoding="utf-8"?>
-<p:presentation xmlns:a="http://schemas.openxmlformats.org/drawingml/2006/main" xmlns:r="http://schemas.openxmlformats.org/officeDocument/2006/relationships" xmlns:p="http://schemas.openxmlformats.org/presentationml/2006/main">
+<p:presentation xmlns:a="http://schemas.openxmlformats.org/drawingml/2006/main" xmlns:r="http://schemas.openxmlformats.org/officeDocument/2006/relationships" xmlns:p="http://schemas.openxmlformats.org/presentationml/2006/main" saveSubsetFonts="1">
   <p:sldMasterIdLst>
-    <p:sldMasterId id="2147483648" r:id="rId5"/>
+    <p:sldMasterId id="2147483648" r:id="rId1"/>
   </p:sldMasterIdLst>
   <p:notesMasterIdLst>
-    <p:notesMasterId r:id="rId7"/>
+    <p:notesMasterId r:id="rId4"/>
   </p:notesMasterIdLst>
   <p:sldIdLst>
-    <p:sldId id="256" r:id="rId8"/>
-    <p:sldId id="257" r:id="rId9"/>
-    <p:sldId id="258" r:id="rId10"/>
-    <p:sldId id="259" r:id="rId11"/>
-    <p:sldId id="260" r:id="rId12"/>
+    <p:sldId id="256" r:id="rId2"/>
+    <p:sldId id="257" r:id="rId3"/>
   </p:sldIdLst>
   <p:sldSz cx="24384000" cy="13716000"/>
   <p:notesSz cx="6858000" cy="9144000"/>
@@ -32,7 +29,7 @@
       <a:buFontTx/>
       <a:buNone/>
       <a:tabLst/>
-      <a:defRPr b="0" baseline="0" cap="none" i="0" spc="0" strike="noStrike" sz="1800" u="none" kumimoji="0" normalizeH="0">
+      <a:defRPr kumimoji="0" sz="1800" b="0" i="0" u="none" strike="noStrike" cap="none" spc="0" normalizeH="0" baseline="0">
         <a:ln>
           <a:noFill/>
         </a:ln>
@@ -58,7 +55,7 @@
       <a:buFontTx/>
       <a:buNone/>
       <a:tabLst/>
-      <a:defRPr b="0" baseline="0" cap="none" i="0" spc="0" strike="noStrike" sz="5000" u="none" kumimoji="0" normalizeH="0">
+      <a:defRPr kumimoji="0" sz="5000" b="0" i="0" u="none" strike="noStrike" cap="none" spc="0" normalizeH="0" baseline="0">
         <a:ln>
           <a:noFill/>
         </a:ln>
@@ -88,7 +85,7 @@
       <a:buFontTx/>
       <a:buNone/>
       <a:tabLst/>
-      <a:defRPr b="0" baseline="0" cap="none" i="0" spc="0" strike="noStrike" sz="5000" u="none" kumimoji="0" normalizeH="0">
+      <a:defRPr kumimoji="0" sz="5000" b="0" i="0" u="none" strike="noStrike" cap="none" spc="0" normalizeH="0" baseline="0">
         <a:ln>
           <a:noFill/>
         </a:ln>
@@ -118,7 +115,7 @@
       <a:buFontTx/>
       <a:buNone/>
       <a:tabLst/>
-      <a:defRPr b="0" baseline="0" cap="none" i="0" spc="0" strike="noStrike" sz="5000" u="none" kumimoji="0" normalizeH="0">
+      <a:defRPr kumimoji="0" sz="5000" b="0" i="0" u="none" strike="noStrike" cap="none" spc="0" normalizeH="0" baseline="0">
         <a:ln>
           <a:noFill/>
         </a:ln>
@@ -148,7 +145,7 @@
       <a:buFontTx/>
       <a:buNone/>
       <a:tabLst/>
-      <a:defRPr b="0" baseline="0" cap="none" i="0" spc="0" strike="noStrike" sz="5000" u="none" kumimoji="0" normalizeH="0">
+      <a:defRPr kumimoji="0" sz="5000" b="0" i="0" u="none" strike="noStrike" cap="none" spc="0" normalizeH="0" baseline="0">
         <a:ln>
           <a:noFill/>
         </a:ln>
@@ -178,7 +175,7 @@
       <a:buFontTx/>
       <a:buNone/>
       <a:tabLst/>
-      <a:defRPr b="0" baseline="0" cap="none" i="0" spc="0" strike="noStrike" sz="5000" u="none" kumimoji="0" normalizeH="0">
+      <a:defRPr kumimoji="0" sz="5000" b="0" i="0" u="none" strike="noStrike" cap="none" spc="0" normalizeH="0" baseline="0">
         <a:ln>
           <a:noFill/>
         </a:ln>
@@ -208,7 +205,7 @@
       <a:buFontTx/>
       <a:buNone/>
       <a:tabLst/>
-      <a:defRPr b="0" baseline="0" cap="none" i="0" spc="0" strike="noStrike" sz="5000" u="none" kumimoji="0" normalizeH="0">
+      <a:defRPr kumimoji="0" sz="5000" b="0" i="0" u="none" strike="noStrike" cap="none" spc="0" normalizeH="0" baseline="0">
         <a:ln>
           <a:noFill/>
         </a:ln>
@@ -238,7 +235,7 @@
       <a:buFontTx/>
       <a:buNone/>
       <a:tabLst/>
-      <a:defRPr b="0" baseline="0" cap="none" i="0" spc="0" strike="noStrike" sz="5000" u="none" kumimoji="0" normalizeH="0">
+      <a:defRPr kumimoji="0" sz="5000" b="0" i="0" u="none" strike="noStrike" cap="none" spc="0" normalizeH="0" baseline="0">
         <a:ln>
           <a:noFill/>
         </a:ln>
@@ -268,7 +265,7 @@
       <a:buFontTx/>
       <a:buNone/>
       <a:tabLst/>
-      <a:defRPr b="0" baseline="0" cap="none" i="0" spc="0" strike="noStrike" sz="5000" u="none" kumimoji="0" normalizeH="0">
+      <a:defRPr kumimoji="0" sz="5000" b="0" i="0" u="none" strike="noStrike" cap="none" spc="0" normalizeH="0" baseline="0">
         <a:ln>
           <a:noFill/>
         </a:ln>
@@ -298,7 +295,7 @@
       <a:buFontTx/>
       <a:buNone/>
       <a:tabLst/>
-      <a:defRPr b="0" baseline="0" cap="none" i="0" spc="0" strike="noStrike" sz="5000" u="none" kumimoji="0" normalizeH="0">
+      <a:defRPr kumimoji="0" sz="5000" b="0" i="0" u="none" strike="noStrike" cap="none" spc="0" normalizeH="0" baseline="0">
         <a:ln>
           <a:noFill/>
         </a:ln>
@@ -317,13 +314,14 @@
 </p:presentation>
 </file>
 
-<file path=ppt/commentAuthors.xml><?xml version="1.0" encoding="utf-8"?>
-<p:cmAuthorLst xmlns:a="http://schemas.openxmlformats.org/drawingml/2006/main" xmlns:r="http://schemas.openxmlformats.org/officeDocument/2006/relationships" xmlns:p="http://schemas.openxmlformats.org/presentationml/2006/main"/>
-</file>
-
 <file path=ppt/notesMasters/notesMaster1.xml><?xml version="1.0" encoding="utf-8"?>
 <p:notesMaster xmlns:a="http://schemas.openxmlformats.org/drawingml/2006/main" xmlns:r="http://schemas.openxmlformats.org/officeDocument/2006/relationships" xmlns:p="http://schemas.openxmlformats.org/presentationml/2006/main">
   <p:cSld>
+    <p:bg>
+      <p:bgRef idx="1001">
+        <a:schemeClr val="bg1"/>
+      </p:bgRef>
+    </p:bg>
     <p:spTree>
       <p:nvGrpSpPr>
         <p:cNvPr id="1" name=""/>
@@ -341,7 +339,9 @@
       <p:sp>
         <p:nvSpPr>
           <p:cNvPr id="116" name="Shape 116"/>
-          <p:cNvSpPr/>
+          <p:cNvSpPr>
+            <a:spLocks noGrp="1" noRot="1" noChangeAspect="1"/>
+          </p:cNvSpPr>
           <p:nvPr>
             <p:ph type="sldImg"/>
           </p:nvPr>
@@ -359,14 +359,16 @@
           <a:bodyPr/>
           <a:lstStyle/>
           <a:p>
-            <a:pPr/>
+            <a:endParaRPr/>
           </a:p>
         </p:txBody>
       </p:sp>
       <p:sp>
         <p:nvSpPr>
           <p:cNvPr id="117" name="Shape 117"/>
-          <p:cNvSpPr/>
+          <p:cNvSpPr>
+            <a:spLocks noGrp="1"/>
+          </p:cNvSpPr>
           <p:nvPr>
             <p:ph type="body" sz="quarter" idx="1"/>
           </p:nvPr>
@@ -384,11 +386,16 @@
           <a:bodyPr/>
           <a:lstStyle/>
           <a:p>
-            <a:pPr/>
+            <a:endParaRPr/>
           </a:p>
         </p:txBody>
       </p:sp>
     </p:spTree>
+    <p:extLst>
+      <p:ext uri="{BB962C8B-B14F-4D97-AF65-F5344CB8AC3E}">
+        <p14:creationId xmlns:p14="http://schemas.microsoft.com/office/powerpoint/2010/main" val="800174746"/>
+      </p:ext>
+    </p:extLst>
   </p:cSld>
   <p:clrMap bg1="lt1" tx1="dk1" bg2="lt2" tx2="dk2" accent1="accent1" accent2="accent2" accent3="accent3" accent4="accent4" accent5="accent5" accent6="accent6" hlink="hlink" folHlink="folHlink"/>
   <p:notesStyle>
@@ -496,7 +503,7 @@
 </file>
 
 <file path=ppt/slideLayouts/slideLayout1.xml><?xml version="1.0" encoding="utf-8"?>
-<p:sldLayout xmlns:a="http://schemas.openxmlformats.org/drawingml/2006/main" xmlns:r="http://schemas.openxmlformats.org/officeDocument/2006/relationships" xmlns:p="http://schemas.openxmlformats.org/presentationml/2006/main" type="title" showMasterSp="1" showMasterPhAnim="1">
+<p:sldLayout xmlns:a="http://schemas.openxmlformats.org/drawingml/2006/main" xmlns:r="http://schemas.openxmlformats.org/officeDocument/2006/relationships" xmlns:p="http://schemas.openxmlformats.org/presentationml/2006/main" type="title">
   <p:cSld name="标题与副标题">
     <p:spTree>
       <p:nvGrpSpPr>
@@ -515,7 +522,9 @@
       <p:sp>
         <p:nvSpPr>
           <p:cNvPr id="11" name="Shape 11"/>
-          <p:cNvSpPr/>
+          <p:cNvSpPr>
+            <a:spLocks noGrp="1"/>
+          </p:cNvSpPr>
           <p:nvPr>
             <p:ph type="title"/>
           </p:nvPr>
@@ -533,7 +542,6 @@
           <a:bodyPr anchor="b"/>
           <a:lstStyle/>
           <a:p>
-            <a:pPr/>
             <a:r>
               <a:t>标题文本</a:t>
             </a:r>
@@ -543,7 +551,9 @@
       <p:sp>
         <p:nvSpPr>
           <p:cNvPr id="12" name="Shape 12"/>
-          <p:cNvSpPr/>
+          <p:cNvSpPr>
+            <a:spLocks noGrp="1"/>
+          </p:cNvSpPr>
           <p:nvPr>
             <p:ph type="body" sz="quarter" idx="1"/>
           </p:nvPr>
@@ -597,7 +607,6 @@
             </a:lvl5pPr>
           </a:lstStyle>
           <a:p>
-            <a:pPr/>
             <a:r>
               <a:t>正文级别 1</a:t>
             </a:r>
@@ -631,7 +640,9 @@
       <p:sp>
         <p:nvSpPr>
           <p:cNvPr id="13" name="Shape 13"/>
-          <p:cNvSpPr/>
+          <p:cNvSpPr>
+            <a:spLocks noGrp="1"/>
+          </p:cNvSpPr>
           <p:nvPr>
             <p:ph type="sldNum" sz="quarter" idx="2"/>
           </p:nvPr>
@@ -645,8 +656,10 @@
           <a:bodyPr/>
           <a:lstStyle/>
           <a:p>
-            <a:pPr/>
-            <a:fld id="{86CB4B4D-7CA3-9044-876B-883B54F8677D}" type="slidenum"/>
+            <a:fld id="{86CB4B4D-7CA3-9044-876B-883B54F8677D}" type="slidenum">
+              <a:t>‹#›</a:t>
+            </a:fld>
+            <a:endParaRPr/>
           </a:p>
         </p:txBody>
       </p:sp>
@@ -655,12 +668,12 @@
   <p:clrMapOvr>
     <a:masterClrMapping/>
   </p:clrMapOvr>
-  <p:transition xmlns:p14="http://schemas.microsoft.com/office/powerpoint/2010/main" spd="med" advClick="1"/>
+  <p:transition spd="med"/>
 </p:sldLayout>
 </file>
 
 <file path=ppt/slideLayouts/slideLayout10.xml><?xml version="1.0" encoding="utf-8"?>
-<p:sldLayout xmlns:a="http://schemas.openxmlformats.org/drawingml/2006/main" xmlns:r="http://schemas.openxmlformats.org/officeDocument/2006/relationships" xmlns:p="http://schemas.openxmlformats.org/presentationml/2006/main" type="tx" showMasterSp="1" showMasterPhAnim="1">
+<p:sldLayout xmlns:a="http://schemas.openxmlformats.org/drawingml/2006/main" xmlns:r="http://schemas.openxmlformats.org/officeDocument/2006/relationships" xmlns:p="http://schemas.openxmlformats.org/presentationml/2006/main" type="tx">
   <p:cSld name="引文">
     <p:spTree>
       <p:nvGrpSpPr>
@@ -679,7 +692,9 @@
       <p:sp>
         <p:nvSpPr>
           <p:cNvPr id="93" name="Shape 93"/>
-          <p:cNvSpPr/>
+          <p:cNvSpPr>
+            <a:spLocks noGrp="1"/>
+          </p:cNvSpPr>
           <p:nvPr>
             <p:ph type="body" sz="quarter" idx="13"/>
           </p:nvPr>
@@ -708,7 +723,6 @@
             </a:lvl1pPr>
           </a:lstStyle>
           <a:p>
-            <a:pPr/>
             <a:r>
               <a:t>–Johnny Appleseed</a:t>
             </a:r>
@@ -718,7 +732,9 @@
       <p:sp>
         <p:nvSpPr>
           <p:cNvPr id="94" name="Shape 94"/>
-          <p:cNvSpPr/>
+          <p:cNvSpPr>
+            <a:spLocks noGrp="1"/>
+          </p:cNvSpPr>
           <p:nvPr>
             <p:ph type="body" sz="quarter" idx="14"/>
           </p:nvPr>
@@ -746,7 +762,6 @@
             </a:lvl1pPr>
           </a:lstStyle>
           <a:p>
-            <a:pPr/>
             <a:r>
               <a:t>“在此键入引文。”</a:t>
             </a:r>
@@ -756,7 +771,9 @@
       <p:sp>
         <p:nvSpPr>
           <p:cNvPr id="95" name="Shape 95"/>
-          <p:cNvSpPr/>
+          <p:cNvSpPr>
+            <a:spLocks noGrp="1"/>
+          </p:cNvSpPr>
           <p:nvPr>
             <p:ph type="sldNum" sz="quarter" idx="2"/>
           </p:nvPr>
@@ -770,8 +787,10 @@
           <a:bodyPr/>
           <a:lstStyle/>
           <a:p>
-            <a:pPr/>
-            <a:fld id="{86CB4B4D-7CA3-9044-876B-883B54F8677D}" type="slidenum"/>
+            <a:fld id="{86CB4B4D-7CA3-9044-876B-883B54F8677D}" type="slidenum">
+              <a:t>‹#›</a:t>
+            </a:fld>
+            <a:endParaRPr/>
           </a:p>
         </p:txBody>
       </p:sp>
@@ -780,12 +799,12 @@
   <p:clrMapOvr>
     <a:masterClrMapping/>
   </p:clrMapOvr>
-  <p:transition xmlns:p14="http://schemas.microsoft.com/office/powerpoint/2010/main" spd="med" advClick="1"/>
+  <p:transition spd="med"/>
 </p:sldLayout>
 </file>
 
 <file path=ppt/slideLayouts/slideLayout11.xml><?xml version="1.0" encoding="utf-8"?>
-<p:sldLayout xmlns:a="http://schemas.openxmlformats.org/drawingml/2006/main" xmlns:r="http://schemas.openxmlformats.org/officeDocument/2006/relationships" xmlns:p="http://schemas.openxmlformats.org/presentationml/2006/main" type="tx" showMasterSp="1" showMasterPhAnim="1">
+<p:sldLayout xmlns:a="http://schemas.openxmlformats.org/drawingml/2006/main" xmlns:r="http://schemas.openxmlformats.org/officeDocument/2006/relationships" xmlns:p="http://schemas.openxmlformats.org/presentationml/2006/main" type="tx">
   <p:cSld name="照片">
     <p:spTree>
       <p:nvGrpSpPr>
@@ -804,7 +823,9 @@
       <p:sp>
         <p:nvSpPr>
           <p:cNvPr id="102" name="Shape 102"/>
-          <p:cNvSpPr/>
+          <p:cNvSpPr>
+            <a:spLocks noGrp="1"/>
+          </p:cNvSpPr>
           <p:nvPr>
             <p:ph type="pic" idx="13"/>
           </p:nvPr>
@@ -824,14 +845,16 @@
           </a:bodyPr>
           <a:lstStyle/>
           <a:p>
-            <a:pPr/>
+            <a:endParaRPr/>
           </a:p>
         </p:txBody>
       </p:sp>
       <p:sp>
         <p:nvSpPr>
           <p:cNvPr id="103" name="Shape 103"/>
-          <p:cNvSpPr/>
+          <p:cNvSpPr>
+            <a:spLocks noGrp="1"/>
+          </p:cNvSpPr>
           <p:nvPr>
             <p:ph type="sldNum" sz="quarter" idx="2"/>
           </p:nvPr>
@@ -845,8 +868,10 @@
           <a:bodyPr/>
           <a:lstStyle/>
           <a:p>
-            <a:pPr/>
-            <a:fld id="{86CB4B4D-7CA3-9044-876B-883B54F8677D}" type="slidenum"/>
+            <a:fld id="{86CB4B4D-7CA3-9044-876B-883B54F8677D}" type="slidenum">
+              <a:t>‹#›</a:t>
+            </a:fld>
+            <a:endParaRPr/>
           </a:p>
         </p:txBody>
       </p:sp>
@@ -855,12 +880,12 @@
   <p:clrMapOvr>
     <a:masterClrMapping/>
   </p:clrMapOvr>
-  <p:transition xmlns:p14="http://schemas.microsoft.com/office/powerpoint/2010/main" spd="med" advClick="1"/>
+  <p:transition spd="med"/>
 </p:sldLayout>
 </file>
 
 <file path=ppt/slideLayouts/slideLayout12.xml><?xml version="1.0" encoding="utf-8"?>
-<p:sldLayout xmlns:a="http://schemas.openxmlformats.org/drawingml/2006/main" xmlns:r="http://schemas.openxmlformats.org/officeDocument/2006/relationships" xmlns:p="http://schemas.openxmlformats.org/presentationml/2006/main" type="tx" showMasterSp="1" showMasterPhAnim="1">
+<p:sldLayout xmlns:a="http://schemas.openxmlformats.org/drawingml/2006/main" xmlns:r="http://schemas.openxmlformats.org/officeDocument/2006/relationships" xmlns:p="http://schemas.openxmlformats.org/presentationml/2006/main" type="tx">
   <p:cSld name="空白">
     <p:spTree>
       <p:nvGrpSpPr>
@@ -879,7 +904,9 @@
       <p:sp>
         <p:nvSpPr>
           <p:cNvPr id="110" name="Shape 110"/>
-          <p:cNvSpPr/>
+          <p:cNvSpPr>
+            <a:spLocks noGrp="1"/>
+          </p:cNvSpPr>
           <p:nvPr>
             <p:ph type="sldNum" sz="quarter" idx="2"/>
           </p:nvPr>
@@ -893,8 +920,10 @@
           <a:bodyPr/>
           <a:lstStyle/>
           <a:p>
-            <a:pPr/>
-            <a:fld id="{86CB4B4D-7CA3-9044-876B-883B54F8677D}" type="slidenum"/>
+            <a:fld id="{86CB4B4D-7CA3-9044-876B-883B54F8677D}" type="slidenum">
+              <a:t>‹#›</a:t>
+            </a:fld>
+            <a:endParaRPr/>
           </a:p>
         </p:txBody>
       </p:sp>
@@ -903,12 +932,12 @@
   <p:clrMapOvr>
     <a:masterClrMapping/>
   </p:clrMapOvr>
-  <p:transition xmlns:p14="http://schemas.microsoft.com/office/powerpoint/2010/main" spd="med" advClick="1"/>
+  <p:transition spd="med"/>
 </p:sldLayout>
 </file>
 
 <file path=ppt/slideLayouts/slideLayout2.xml><?xml version="1.0" encoding="utf-8"?>
-<p:sldLayout xmlns:a="http://schemas.openxmlformats.org/drawingml/2006/main" xmlns:r="http://schemas.openxmlformats.org/officeDocument/2006/relationships" xmlns:p="http://schemas.openxmlformats.org/presentationml/2006/main" type="tx" showMasterSp="1" showMasterPhAnim="1">
+<p:sldLayout xmlns:a="http://schemas.openxmlformats.org/drawingml/2006/main" xmlns:r="http://schemas.openxmlformats.org/officeDocument/2006/relationships" xmlns:p="http://schemas.openxmlformats.org/presentationml/2006/main" type="tx">
   <p:cSld name="照片 - 水平">
     <p:spTree>
       <p:nvGrpSpPr>
@@ -927,7 +956,9 @@
       <p:sp>
         <p:nvSpPr>
           <p:cNvPr id="20" name="Shape 20"/>
-          <p:cNvSpPr/>
+          <p:cNvSpPr>
+            <a:spLocks noGrp="1"/>
+          </p:cNvSpPr>
           <p:nvPr>
             <p:ph type="pic" sz="half" idx="13"/>
           </p:nvPr>
@@ -947,14 +978,16 @@
           </a:bodyPr>
           <a:lstStyle/>
           <a:p>
-            <a:pPr/>
+            <a:endParaRPr/>
           </a:p>
         </p:txBody>
       </p:sp>
       <p:sp>
         <p:nvSpPr>
           <p:cNvPr id="21" name="Shape 21"/>
-          <p:cNvSpPr/>
+          <p:cNvSpPr>
+            <a:spLocks noGrp="1"/>
+          </p:cNvSpPr>
           <p:nvPr>
             <p:ph type="title"/>
           </p:nvPr>
@@ -972,7 +1005,6 @@
           <a:bodyPr/>
           <a:lstStyle/>
           <a:p>
-            <a:pPr/>
             <a:r>
               <a:t>标题文本</a:t>
             </a:r>
@@ -982,7 +1014,9 @@
       <p:sp>
         <p:nvSpPr>
           <p:cNvPr id="22" name="Shape 22"/>
-          <p:cNvSpPr/>
+          <p:cNvSpPr>
+            <a:spLocks noGrp="1"/>
+          </p:cNvSpPr>
           <p:nvPr>
             <p:ph type="body" sz="quarter" idx="1"/>
           </p:nvPr>
@@ -1036,7 +1070,6 @@
             </a:lvl5pPr>
           </a:lstStyle>
           <a:p>
-            <a:pPr/>
             <a:r>
               <a:t>正文级别 1</a:t>
             </a:r>
@@ -1070,7 +1103,9 @@
       <p:sp>
         <p:nvSpPr>
           <p:cNvPr id="23" name="Shape 23"/>
-          <p:cNvSpPr/>
+          <p:cNvSpPr>
+            <a:spLocks noGrp="1"/>
+          </p:cNvSpPr>
           <p:nvPr>
             <p:ph type="sldNum" sz="quarter" idx="2"/>
           </p:nvPr>
@@ -1084,8 +1119,10 @@
           <a:bodyPr/>
           <a:lstStyle/>
           <a:p>
-            <a:pPr/>
-            <a:fld id="{86CB4B4D-7CA3-9044-876B-883B54F8677D}" type="slidenum"/>
+            <a:fld id="{86CB4B4D-7CA3-9044-876B-883B54F8677D}" type="slidenum">
+              <a:t>‹#›</a:t>
+            </a:fld>
+            <a:endParaRPr/>
           </a:p>
         </p:txBody>
       </p:sp>
@@ -1094,12 +1131,12 @@
   <p:clrMapOvr>
     <a:masterClrMapping/>
   </p:clrMapOvr>
-  <p:transition xmlns:p14="http://schemas.microsoft.com/office/powerpoint/2010/main" spd="med" advClick="1"/>
+  <p:transition spd="med"/>
 </p:sldLayout>
 </file>
 
 <file path=ppt/slideLayouts/slideLayout3.xml><?xml version="1.0" encoding="utf-8"?>
-<p:sldLayout xmlns:a="http://schemas.openxmlformats.org/drawingml/2006/main" xmlns:r="http://schemas.openxmlformats.org/officeDocument/2006/relationships" xmlns:p="http://schemas.openxmlformats.org/presentationml/2006/main" type="tx" showMasterSp="1" showMasterPhAnim="1">
+<p:sldLayout xmlns:a="http://schemas.openxmlformats.org/drawingml/2006/main" xmlns:r="http://schemas.openxmlformats.org/officeDocument/2006/relationships" xmlns:p="http://schemas.openxmlformats.org/presentationml/2006/main" type="tx">
   <p:cSld name="标题 - 居中">
     <p:spTree>
       <p:nvGrpSpPr>
@@ -1118,7 +1155,9 @@
       <p:sp>
         <p:nvSpPr>
           <p:cNvPr id="30" name="Shape 30"/>
-          <p:cNvSpPr/>
+          <p:cNvSpPr>
+            <a:spLocks noGrp="1"/>
+          </p:cNvSpPr>
           <p:nvPr>
             <p:ph type="title"/>
           </p:nvPr>
@@ -1136,7 +1175,6 @@
           <a:bodyPr/>
           <a:lstStyle/>
           <a:p>
-            <a:pPr/>
             <a:r>
               <a:t>标题文本</a:t>
             </a:r>
@@ -1146,7 +1184,9 @@
       <p:sp>
         <p:nvSpPr>
           <p:cNvPr id="31" name="Shape 31"/>
-          <p:cNvSpPr/>
+          <p:cNvSpPr>
+            <a:spLocks noGrp="1"/>
+          </p:cNvSpPr>
           <p:nvPr>
             <p:ph type="sldNum" sz="quarter" idx="2"/>
           </p:nvPr>
@@ -1160,8 +1200,10 @@
           <a:bodyPr/>
           <a:lstStyle/>
           <a:p>
-            <a:pPr/>
-            <a:fld id="{86CB4B4D-7CA3-9044-876B-883B54F8677D}" type="slidenum"/>
+            <a:fld id="{86CB4B4D-7CA3-9044-876B-883B54F8677D}" type="slidenum">
+              <a:t>‹#›</a:t>
+            </a:fld>
+            <a:endParaRPr/>
           </a:p>
         </p:txBody>
       </p:sp>
@@ -1170,12 +1212,12 @@
   <p:clrMapOvr>
     <a:masterClrMapping/>
   </p:clrMapOvr>
-  <p:transition xmlns:p14="http://schemas.microsoft.com/office/powerpoint/2010/main" spd="med" advClick="1"/>
+  <p:transition spd="med"/>
 </p:sldLayout>
 </file>
 
 <file path=ppt/slideLayouts/slideLayout4.xml><?xml version="1.0" encoding="utf-8"?>
-<p:sldLayout xmlns:a="http://schemas.openxmlformats.org/drawingml/2006/main" xmlns:r="http://schemas.openxmlformats.org/officeDocument/2006/relationships" xmlns:p="http://schemas.openxmlformats.org/presentationml/2006/main" type="tx" showMasterSp="1" showMasterPhAnim="1">
+<p:sldLayout xmlns:a="http://schemas.openxmlformats.org/drawingml/2006/main" xmlns:r="http://schemas.openxmlformats.org/officeDocument/2006/relationships" xmlns:p="http://schemas.openxmlformats.org/presentationml/2006/main" type="tx">
   <p:cSld name="照片 - 垂直">
     <p:spTree>
       <p:nvGrpSpPr>
@@ -1194,7 +1236,9 @@
       <p:sp>
         <p:nvSpPr>
           <p:cNvPr id="38" name="Shape 38"/>
-          <p:cNvSpPr/>
+          <p:cNvSpPr>
+            <a:spLocks noGrp="1"/>
+          </p:cNvSpPr>
           <p:nvPr>
             <p:ph type="pic" sz="half" idx="13"/>
           </p:nvPr>
@@ -1214,14 +1258,16 @@
           </a:bodyPr>
           <a:lstStyle/>
           <a:p>
-            <a:pPr/>
+            <a:endParaRPr/>
           </a:p>
         </p:txBody>
       </p:sp>
       <p:sp>
         <p:nvSpPr>
           <p:cNvPr id="39" name="Shape 39"/>
-          <p:cNvSpPr/>
+          <p:cNvSpPr>
+            <a:spLocks noGrp="1"/>
+          </p:cNvSpPr>
           <p:nvPr>
             <p:ph type="title"/>
           </p:nvPr>
@@ -1239,7 +1285,6 @@
           <a:bodyPr anchor="b"/>
           <a:lstStyle/>
           <a:p>
-            <a:pPr/>
             <a:r>
               <a:t>标题文本</a:t>
             </a:r>
@@ -1249,7 +1294,9 @@
       <p:sp>
         <p:nvSpPr>
           <p:cNvPr id="40" name="Shape 40"/>
-          <p:cNvSpPr/>
+          <p:cNvSpPr>
+            <a:spLocks noGrp="1"/>
+          </p:cNvSpPr>
           <p:nvPr>
             <p:ph type="body" sz="quarter" idx="1"/>
           </p:nvPr>
@@ -1303,7 +1350,6 @@
             </a:lvl5pPr>
           </a:lstStyle>
           <a:p>
-            <a:pPr/>
             <a:r>
               <a:t>正文级别 1</a:t>
             </a:r>
@@ -1337,7 +1383,9 @@
       <p:sp>
         <p:nvSpPr>
           <p:cNvPr id="41" name="Shape 41"/>
-          <p:cNvSpPr/>
+          <p:cNvSpPr>
+            <a:spLocks noGrp="1"/>
+          </p:cNvSpPr>
           <p:nvPr>
             <p:ph type="sldNum" sz="quarter" idx="2"/>
           </p:nvPr>
@@ -1351,8 +1399,10 @@
           <a:bodyPr/>
           <a:lstStyle/>
           <a:p>
-            <a:pPr/>
-            <a:fld id="{86CB4B4D-7CA3-9044-876B-883B54F8677D}" type="slidenum"/>
+            <a:fld id="{86CB4B4D-7CA3-9044-876B-883B54F8677D}" type="slidenum">
+              <a:t>‹#›</a:t>
+            </a:fld>
+            <a:endParaRPr/>
           </a:p>
         </p:txBody>
       </p:sp>
@@ -1361,12 +1411,12 @@
   <p:clrMapOvr>
     <a:masterClrMapping/>
   </p:clrMapOvr>
-  <p:transition xmlns:p14="http://schemas.microsoft.com/office/powerpoint/2010/main" spd="med" advClick="1"/>
+  <p:transition spd="med"/>
 </p:sldLayout>
 </file>
 
 <file path=ppt/slideLayouts/slideLayout5.xml><?xml version="1.0" encoding="utf-8"?>
-<p:sldLayout xmlns:a="http://schemas.openxmlformats.org/drawingml/2006/main" xmlns:r="http://schemas.openxmlformats.org/officeDocument/2006/relationships" xmlns:p="http://schemas.openxmlformats.org/presentationml/2006/main" type="tx" showMasterSp="1" showMasterPhAnim="1">
+<p:sldLayout xmlns:a="http://schemas.openxmlformats.org/drawingml/2006/main" xmlns:r="http://schemas.openxmlformats.org/officeDocument/2006/relationships" xmlns:p="http://schemas.openxmlformats.org/presentationml/2006/main" type="tx">
   <p:cSld name="标题 - 顶部对齐">
     <p:spTree>
       <p:nvGrpSpPr>
@@ -1385,7 +1435,9 @@
       <p:sp>
         <p:nvSpPr>
           <p:cNvPr id="48" name="Shape 48"/>
-          <p:cNvSpPr/>
+          <p:cNvSpPr>
+            <a:spLocks noGrp="1"/>
+          </p:cNvSpPr>
           <p:nvPr>
             <p:ph type="title"/>
           </p:nvPr>
@@ -1399,7 +1451,6 @@
           <a:bodyPr/>
           <a:lstStyle/>
           <a:p>
-            <a:pPr/>
             <a:r>
               <a:t>标题文本</a:t>
             </a:r>
@@ -1409,7 +1460,9 @@
       <p:sp>
         <p:nvSpPr>
           <p:cNvPr id="49" name="Shape 49"/>
-          <p:cNvSpPr/>
+          <p:cNvSpPr>
+            <a:spLocks noGrp="1"/>
+          </p:cNvSpPr>
           <p:nvPr>
             <p:ph type="sldNum" sz="quarter" idx="2"/>
           </p:nvPr>
@@ -1423,8 +1476,10 @@
           <a:bodyPr/>
           <a:lstStyle/>
           <a:p>
-            <a:pPr/>
-            <a:fld id="{86CB4B4D-7CA3-9044-876B-883B54F8677D}" type="slidenum"/>
+            <a:fld id="{86CB4B4D-7CA3-9044-876B-883B54F8677D}" type="slidenum">
+              <a:t>‹#›</a:t>
+            </a:fld>
+            <a:endParaRPr/>
           </a:p>
         </p:txBody>
       </p:sp>
@@ -1433,12 +1488,12 @@
   <p:clrMapOvr>
     <a:masterClrMapping/>
   </p:clrMapOvr>
-  <p:transition xmlns:p14="http://schemas.microsoft.com/office/powerpoint/2010/main" spd="med" advClick="1"/>
+  <p:transition spd="med"/>
 </p:sldLayout>
 </file>
 
 <file path=ppt/slideLayouts/slideLayout6.xml><?xml version="1.0" encoding="utf-8"?>
-<p:sldLayout xmlns:a="http://schemas.openxmlformats.org/drawingml/2006/main" xmlns:r="http://schemas.openxmlformats.org/officeDocument/2006/relationships" xmlns:p="http://schemas.openxmlformats.org/presentationml/2006/main" type="tx" showMasterSp="1" showMasterPhAnim="1">
+<p:sldLayout xmlns:a="http://schemas.openxmlformats.org/drawingml/2006/main" xmlns:r="http://schemas.openxmlformats.org/officeDocument/2006/relationships" xmlns:p="http://schemas.openxmlformats.org/presentationml/2006/main" type="tx">
   <p:cSld name="标题与项目符号">
     <p:spTree>
       <p:nvGrpSpPr>
@@ -1457,7 +1512,9 @@
       <p:sp>
         <p:nvSpPr>
           <p:cNvPr id="56" name="Shape 56"/>
-          <p:cNvSpPr/>
+          <p:cNvSpPr>
+            <a:spLocks noGrp="1"/>
+          </p:cNvSpPr>
           <p:nvPr>
             <p:ph type="title"/>
           </p:nvPr>
@@ -1471,7 +1528,6 @@
           <a:bodyPr/>
           <a:lstStyle/>
           <a:p>
-            <a:pPr/>
             <a:r>
               <a:t>标题文本</a:t>
             </a:r>
@@ -1481,7 +1537,9 @@
       <p:sp>
         <p:nvSpPr>
           <p:cNvPr id="57" name="Shape 57"/>
-          <p:cNvSpPr/>
+          <p:cNvSpPr>
+            <a:spLocks noGrp="1"/>
+          </p:cNvSpPr>
           <p:nvPr>
             <p:ph type="body" idx="1"/>
           </p:nvPr>
@@ -1541,7 +1599,6 @@
             </a:lvl5pPr>
           </a:lstStyle>
           <a:p>
-            <a:pPr/>
             <a:r>
               <a:t>正文级别 1</a:t>
             </a:r>
@@ -1575,7 +1632,9 @@
       <p:sp>
         <p:nvSpPr>
           <p:cNvPr id="58" name="Shape 58"/>
-          <p:cNvSpPr/>
+          <p:cNvSpPr>
+            <a:spLocks noGrp="1"/>
+          </p:cNvSpPr>
           <p:nvPr>
             <p:ph type="sldNum" sz="quarter" idx="2"/>
           </p:nvPr>
@@ -1589,8 +1648,10 @@
           <a:bodyPr/>
           <a:lstStyle/>
           <a:p>
-            <a:pPr/>
-            <a:fld id="{86CB4B4D-7CA3-9044-876B-883B54F8677D}" type="slidenum"/>
+            <a:fld id="{86CB4B4D-7CA3-9044-876B-883B54F8677D}" type="slidenum">
+              <a:t>‹#›</a:t>
+            </a:fld>
+            <a:endParaRPr/>
           </a:p>
         </p:txBody>
       </p:sp>
@@ -1599,12 +1660,12 @@
   <p:clrMapOvr>
     <a:masterClrMapping/>
   </p:clrMapOvr>
-  <p:transition xmlns:p14="http://schemas.microsoft.com/office/powerpoint/2010/main" spd="med" advClick="1"/>
+  <p:transition spd="med"/>
 </p:sldLayout>
 </file>
 
 <file path=ppt/slideLayouts/slideLayout7.xml><?xml version="1.0" encoding="utf-8"?>
-<p:sldLayout xmlns:a="http://schemas.openxmlformats.org/drawingml/2006/main" xmlns:r="http://schemas.openxmlformats.org/officeDocument/2006/relationships" xmlns:p="http://schemas.openxmlformats.org/presentationml/2006/main" type="tx" showMasterSp="1" showMasterPhAnim="1">
+<p:sldLayout xmlns:a="http://schemas.openxmlformats.org/drawingml/2006/main" xmlns:r="http://schemas.openxmlformats.org/officeDocument/2006/relationships" xmlns:p="http://schemas.openxmlformats.org/presentationml/2006/main" type="tx">
   <p:cSld name="标题、项目符号与照片">
     <p:spTree>
       <p:nvGrpSpPr>
@@ -1623,7 +1684,9 @@
       <p:sp>
         <p:nvSpPr>
           <p:cNvPr id="65" name="Shape 65"/>
-          <p:cNvSpPr/>
+          <p:cNvSpPr>
+            <a:spLocks noGrp="1"/>
+          </p:cNvSpPr>
           <p:nvPr>
             <p:ph type="pic" sz="quarter" idx="13"/>
           </p:nvPr>
@@ -1643,14 +1706,16 @@
           </a:bodyPr>
           <a:lstStyle/>
           <a:p>
-            <a:pPr/>
+            <a:endParaRPr/>
           </a:p>
         </p:txBody>
       </p:sp>
       <p:sp>
         <p:nvSpPr>
           <p:cNvPr id="66" name="Shape 66"/>
-          <p:cNvSpPr/>
+          <p:cNvSpPr>
+            <a:spLocks noGrp="1"/>
+          </p:cNvSpPr>
           <p:nvPr>
             <p:ph type="title"/>
           </p:nvPr>
@@ -1664,7 +1729,6 @@
           <a:bodyPr/>
           <a:lstStyle/>
           <a:p>
-            <a:pPr/>
             <a:r>
               <a:t>标题文本</a:t>
             </a:r>
@@ -1674,7 +1738,9 @@
       <p:sp>
         <p:nvSpPr>
           <p:cNvPr id="67" name="Shape 67"/>
-          <p:cNvSpPr/>
+          <p:cNvSpPr>
+            <a:spLocks noGrp="1"/>
+          </p:cNvSpPr>
           <p:nvPr>
             <p:ph type="body" sz="half" idx="1"/>
           </p:nvPr>
@@ -1692,7 +1758,6 @@
           <a:bodyPr/>
           <a:lstStyle/>
           <a:p>
-            <a:pPr/>
             <a:r>
               <a:t>正文级别 1</a:t>
             </a:r>
@@ -1726,7 +1791,9 @@
       <p:sp>
         <p:nvSpPr>
           <p:cNvPr id="68" name="Shape 68"/>
-          <p:cNvSpPr/>
+          <p:cNvSpPr>
+            <a:spLocks noGrp="1"/>
+          </p:cNvSpPr>
           <p:nvPr>
             <p:ph type="sldNum" sz="quarter" idx="2"/>
           </p:nvPr>
@@ -1740,8 +1807,10 @@
           <a:bodyPr/>
           <a:lstStyle/>
           <a:p>
-            <a:pPr/>
-            <a:fld id="{86CB4B4D-7CA3-9044-876B-883B54F8677D}" type="slidenum"/>
+            <a:fld id="{86CB4B4D-7CA3-9044-876B-883B54F8677D}" type="slidenum">
+              <a:t>‹#›</a:t>
+            </a:fld>
+            <a:endParaRPr/>
           </a:p>
         </p:txBody>
       </p:sp>
@@ -1750,12 +1819,12 @@
   <p:clrMapOvr>
     <a:masterClrMapping/>
   </p:clrMapOvr>
-  <p:transition xmlns:p14="http://schemas.microsoft.com/office/powerpoint/2010/main" spd="med" advClick="1"/>
+  <p:transition spd="med"/>
 </p:sldLayout>
 </file>
 
 <file path=ppt/slideLayouts/slideLayout8.xml><?xml version="1.0" encoding="utf-8"?>
-<p:sldLayout xmlns:a="http://schemas.openxmlformats.org/drawingml/2006/main" xmlns:r="http://schemas.openxmlformats.org/officeDocument/2006/relationships" xmlns:p="http://schemas.openxmlformats.org/presentationml/2006/main" type="tx" showMasterSp="1" showMasterPhAnim="1">
+<p:sldLayout xmlns:a="http://schemas.openxmlformats.org/drawingml/2006/main" xmlns:r="http://schemas.openxmlformats.org/officeDocument/2006/relationships" xmlns:p="http://schemas.openxmlformats.org/presentationml/2006/main" type="tx">
   <p:cSld name="项目符号">
     <p:spTree>
       <p:nvGrpSpPr>
@@ -1774,7 +1843,9 @@
       <p:sp>
         <p:nvSpPr>
           <p:cNvPr id="75" name="Shape 75"/>
-          <p:cNvSpPr/>
+          <p:cNvSpPr>
+            <a:spLocks noGrp="1"/>
+          </p:cNvSpPr>
           <p:nvPr>
             <p:ph type="body" idx="1"/>
           </p:nvPr>
@@ -1838,7 +1909,6 @@
             </a:lvl5pPr>
           </a:lstStyle>
           <a:p>
-            <a:pPr/>
             <a:r>
               <a:t>正文级别 1</a:t>
             </a:r>
@@ -1872,7 +1942,9 @@
       <p:sp>
         <p:nvSpPr>
           <p:cNvPr id="76" name="Shape 76"/>
-          <p:cNvSpPr/>
+          <p:cNvSpPr>
+            <a:spLocks noGrp="1"/>
+          </p:cNvSpPr>
           <p:nvPr>
             <p:ph type="sldNum" sz="quarter" idx="2"/>
           </p:nvPr>
@@ -1886,8 +1958,10 @@
           <a:bodyPr/>
           <a:lstStyle/>
           <a:p>
-            <a:pPr/>
-            <a:fld id="{86CB4B4D-7CA3-9044-876B-883B54F8677D}" type="slidenum"/>
+            <a:fld id="{86CB4B4D-7CA3-9044-876B-883B54F8677D}" type="slidenum">
+              <a:t>‹#›</a:t>
+            </a:fld>
+            <a:endParaRPr/>
           </a:p>
         </p:txBody>
       </p:sp>
@@ -1896,12 +1970,12 @@
   <p:clrMapOvr>
     <a:masterClrMapping/>
   </p:clrMapOvr>
-  <p:transition xmlns:p14="http://schemas.microsoft.com/office/powerpoint/2010/main" spd="med" advClick="1"/>
+  <p:transition spd="med"/>
 </p:sldLayout>
 </file>
 
 <file path=ppt/slideLayouts/slideLayout9.xml><?xml version="1.0" encoding="utf-8"?>
-<p:sldLayout xmlns:a="http://schemas.openxmlformats.org/drawingml/2006/main" xmlns:r="http://schemas.openxmlformats.org/officeDocument/2006/relationships" xmlns:p="http://schemas.openxmlformats.org/presentationml/2006/main" type="tx" showMasterSp="1" showMasterPhAnim="1">
+<p:sldLayout xmlns:a="http://schemas.openxmlformats.org/drawingml/2006/main" xmlns:r="http://schemas.openxmlformats.org/officeDocument/2006/relationships" xmlns:p="http://schemas.openxmlformats.org/presentationml/2006/main" type="tx">
   <p:cSld name="照片 - 3 联">
     <p:spTree>
       <p:nvGrpSpPr>
@@ -1920,7 +1994,9 @@
       <p:sp>
         <p:nvSpPr>
           <p:cNvPr id="83" name="Shape 83"/>
-          <p:cNvSpPr/>
+          <p:cNvSpPr>
+            <a:spLocks noGrp="1"/>
+          </p:cNvSpPr>
           <p:nvPr>
             <p:ph type="pic" sz="quarter" idx="13"/>
           </p:nvPr>
@@ -1940,14 +2016,16 @@
           </a:bodyPr>
           <a:lstStyle/>
           <a:p>
-            <a:pPr/>
+            <a:endParaRPr/>
           </a:p>
         </p:txBody>
       </p:sp>
       <p:sp>
         <p:nvSpPr>
           <p:cNvPr id="84" name="Shape 84"/>
-          <p:cNvSpPr/>
+          <p:cNvSpPr>
+            <a:spLocks noGrp="1"/>
+          </p:cNvSpPr>
           <p:nvPr>
             <p:ph type="pic" sz="quarter" idx="14"/>
           </p:nvPr>
@@ -1967,14 +2045,16 @@
           </a:bodyPr>
           <a:lstStyle/>
           <a:p>
-            <a:pPr/>
+            <a:endParaRPr/>
           </a:p>
         </p:txBody>
       </p:sp>
       <p:sp>
         <p:nvSpPr>
           <p:cNvPr id="85" name="Shape 85"/>
-          <p:cNvSpPr/>
+          <p:cNvSpPr>
+            <a:spLocks noGrp="1"/>
+          </p:cNvSpPr>
           <p:nvPr>
             <p:ph type="pic" sz="half" idx="15"/>
           </p:nvPr>
@@ -1994,14 +2074,16 @@
           </a:bodyPr>
           <a:lstStyle/>
           <a:p>
-            <a:pPr/>
+            <a:endParaRPr/>
           </a:p>
         </p:txBody>
       </p:sp>
       <p:sp>
         <p:nvSpPr>
           <p:cNvPr id="86" name="Shape 86"/>
-          <p:cNvSpPr/>
+          <p:cNvSpPr>
+            <a:spLocks noGrp="1"/>
+          </p:cNvSpPr>
           <p:nvPr>
             <p:ph type="sldNum" sz="quarter" idx="2"/>
           </p:nvPr>
@@ -2015,8 +2097,10 @@
           <a:bodyPr/>
           <a:lstStyle/>
           <a:p>
-            <a:pPr/>
-            <a:fld id="{86CB4B4D-7CA3-9044-876B-883B54F8677D}" type="slidenum"/>
+            <a:fld id="{86CB4B4D-7CA3-9044-876B-883B54F8677D}" type="slidenum">
+              <a:t>‹#›</a:t>
+            </a:fld>
+            <a:endParaRPr/>
           </a:p>
         </p:txBody>
       </p:sp>
@@ -2025,7 +2109,7 @@
   <p:clrMapOvr>
     <a:masterClrMapping/>
   </p:clrMapOvr>
-  <p:transition xmlns:p14="http://schemas.microsoft.com/office/powerpoint/2010/main" spd="med" advClick="1"/>
+  <p:transition spd="med"/>
 </p:sldLayout>
 </file>
 
@@ -2035,12 +2119,13 @@
     <p:bg>
       <p:bgPr>
         <a:blipFill rotWithShape="1">
-          <a:blip r:embed="rId2"/>
-          <a:srcRect l="0" t="0" r="0" b="0"/>
+          <a:blip r:embed="rId14"/>
+          <a:srcRect/>
           <a:stretch>
             <a:fillRect/>
           </a:stretch>
         </a:blipFill>
+        <a:effectLst/>
       </p:bgPr>
     </p:bg>
     <p:spTree>
@@ -2060,7 +2145,9 @@
       <p:sp>
         <p:nvSpPr>
           <p:cNvPr id="2" name="Shape 2"/>
-          <p:cNvSpPr/>
+          <p:cNvSpPr>
+            <a:spLocks noGrp="1"/>
+          </p:cNvSpPr>
           <p:nvPr>
             <p:ph type="title"/>
           </p:nvPr>
@@ -2084,11 +2171,10 @@
         </p:spPr>
         <p:txBody>
           <a:bodyPr lIns="71437" tIns="71437" rIns="71437" bIns="71437" anchor="ctr">
-            <a:normAutofit fontScale="100000" lnSpcReduction="0"/>
+            <a:normAutofit/>
           </a:bodyPr>
           <a:lstStyle/>
           <a:p>
-            <a:pPr/>
             <a:r>
               <a:t>标题文本</a:t>
             </a:r>
@@ -2098,7 +2184,9 @@
       <p:sp>
         <p:nvSpPr>
           <p:cNvPr id="3" name="Shape 3"/>
-          <p:cNvSpPr/>
+          <p:cNvSpPr>
+            <a:spLocks noGrp="1"/>
+          </p:cNvSpPr>
           <p:nvPr>
             <p:ph type="body" idx="1"/>
           </p:nvPr>
@@ -2122,11 +2210,10 @@
         </p:spPr>
         <p:txBody>
           <a:bodyPr lIns="71437" tIns="71437" rIns="71437" bIns="71437" anchor="ctr">
-            <a:normAutofit fontScale="100000" lnSpcReduction="0"/>
+            <a:normAutofit/>
           </a:bodyPr>
           <a:lstStyle/>
           <a:p>
-            <a:pPr/>
             <a:r>
               <a:t>正文级别 1</a:t>
             </a:r>
@@ -2160,7 +2247,9 @@
       <p:sp>
         <p:nvSpPr>
           <p:cNvPr id="4" name="Shape 4"/>
-          <p:cNvSpPr/>
+          <p:cNvSpPr>
+            <a:spLocks noGrp="1"/>
+          </p:cNvSpPr>
           <p:nvPr>
             <p:ph type="sldNum" sz="quarter" idx="2"/>
           </p:nvPr>
@@ -2187,8 +2276,10 @@
             </a:lvl1pPr>
           </a:lstStyle>
           <a:p>
-            <a:pPr/>
-            <a:fld id="{86CB4B4D-7CA3-9044-876B-883B54F8677D}" type="slidenum"/>
+            <a:fld id="{86CB4B4D-7CA3-9044-876B-883B54F8677D}" type="slidenum">
+              <a:t>‹#›</a:t>
+            </a:fld>
+            <a:endParaRPr/>
           </a:p>
         </p:txBody>
       </p:sp>
@@ -2196,20 +2287,20 @@
   </p:cSld>
   <p:clrMap bg1="lt1" tx1="dk1" bg2="lt2" tx2="dk2" accent1="accent1" accent2="accent2" accent3="accent3" accent4="accent4" accent5="accent5" accent6="accent6" hlink="hlink" folHlink="folHlink"/>
   <p:sldLayoutIdLst>
-    <p:sldLayoutId id="2147483649" r:id="rId3"/>
-    <p:sldLayoutId id="2147483650" r:id="rId4"/>
-    <p:sldLayoutId id="2147483651" r:id="rId5"/>
-    <p:sldLayoutId id="2147483652" r:id="rId6"/>
-    <p:sldLayoutId id="2147483653" r:id="rId7"/>
-    <p:sldLayoutId id="2147483654" r:id="rId8"/>
-    <p:sldLayoutId id="2147483655" r:id="rId9"/>
-    <p:sldLayoutId id="2147483656" r:id="rId10"/>
-    <p:sldLayoutId id="2147483657" r:id="rId11"/>
-    <p:sldLayoutId id="2147483658" r:id="rId12"/>
-    <p:sldLayoutId id="2147483659" r:id="rId13"/>
-    <p:sldLayoutId id="2147483660" r:id="rId14"/>
+    <p:sldLayoutId id="2147483649" r:id="rId1"/>
+    <p:sldLayoutId id="2147483650" r:id="rId2"/>
+    <p:sldLayoutId id="2147483651" r:id="rId3"/>
+    <p:sldLayoutId id="2147483652" r:id="rId4"/>
+    <p:sldLayoutId id="2147483653" r:id="rId5"/>
+    <p:sldLayoutId id="2147483654" r:id="rId6"/>
+    <p:sldLayoutId id="2147483655" r:id="rId7"/>
+    <p:sldLayoutId id="2147483656" r:id="rId8"/>
+    <p:sldLayoutId id="2147483657" r:id="rId9"/>
+    <p:sldLayoutId id="2147483658" r:id="rId10"/>
+    <p:sldLayoutId id="2147483659" r:id="rId11"/>
+    <p:sldLayoutId id="2147483660" r:id="rId12"/>
   </p:sldLayoutIdLst>
-  <p:transition xmlns:p14="http://schemas.microsoft.com/office/powerpoint/2010/main" spd="med" advClick="1"/>
+  <p:transition spd="med"/>
   <p:txStyles>
     <p:titleStyle>
       <a:lvl1pPr marL="0" marR="0" indent="0" algn="ctr" defTabSz="821531" rtl="0" latinLnBrk="0">
@@ -2227,7 +2318,7 @@
         <a:buFontTx/>
         <a:buNone/>
         <a:tabLst/>
-        <a:defRPr b="0" baseline="0" cap="all" i="0" spc="0" strike="noStrike" sz="10000" u="none">
+        <a:defRPr sz="10000" b="0" i="0" u="none" strike="noStrike" cap="all" spc="0" baseline="0">
           <a:ln>
             <a:noFill/>
           </a:ln>
@@ -2256,7 +2347,7 @@
         <a:buFontTx/>
         <a:buNone/>
         <a:tabLst/>
-        <a:defRPr b="0" baseline="0" cap="all" i="0" spc="0" strike="noStrike" sz="10000" u="none">
+        <a:defRPr sz="10000" b="0" i="0" u="none" strike="noStrike" cap="all" spc="0" baseline="0">
           <a:ln>
             <a:noFill/>
           </a:ln>
@@ -2285,7 +2376,7 @@
         <a:buFontTx/>
         <a:buNone/>
         <a:tabLst/>
-        <a:defRPr b="0" baseline="0" cap="all" i="0" spc="0" strike="noStrike" sz="10000" u="none">
+        <a:defRPr sz="10000" b="0" i="0" u="none" strike="noStrike" cap="all" spc="0" baseline="0">
           <a:ln>
             <a:noFill/>
           </a:ln>
@@ -2314,7 +2405,7 @@
         <a:buFontTx/>
         <a:buNone/>
         <a:tabLst/>
-        <a:defRPr b="0" baseline="0" cap="all" i="0" spc="0" strike="noStrike" sz="10000" u="none">
+        <a:defRPr sz="10000" b="0" i="0" u="none" strike="noStrike" cap="all" spc="0" baseline="0">
           <a:ln>
             <a:noFill/>
           </a:ln>
@@ -2343,7 +2434,7 @@
         <a:buFontTx/>
         <a:buNone/>
         <a:tabLst/>
-        <a:defRPr b="0" baseline="0" cap="all" i="0" spc="0" strike="noStrike" sz="10000" u="none">
+        <a:defRPr sz="10000" b="0" i="0" u="none" strike="noStrike" cap="all" spc="0" baseline="0">
           <a:ln>
             <a:noFill/>
           </a:ln>
@@ -2372,7 +2463,7 @@
         <a:buFontTx/>
         <a:buNone/>
         <a:tabLst/>
-        <a:defRPr b="0" baseline="0" cap="all" i="0" spc="0" strike="noStrike" sz="10000" u="none">
+        <a:defRPr sz="10000" b="0" i="0" u="none" strike="noStrike" cap="all" spc="0" baseline="0">
           <a:ln>
             <a:noFill/>
           </a:ln>
@@ -2401,7 +2492,7 @@
         <a:buFontTx/>
         <a:buNone/>
         <a:tabLst/>
-        <a:defRPr b="0" baseline="0" cap="all" i="0" spc="0" strike="noStrike" sz="10000" u="none">
+        <a:defRPr sz="10000" b="0" i="0" u="none" strike="noStrike" cap="all" spc="0" baseline="0">
           <a:ln>
             <a:noFill/>
           </a:ln>
@@ -2430,7 +2521,7 @@
         <a:buFontTx/>
         <a:buNone/>
         <a:tabLst/>
-        <a:defRPr b="0" baseline="0" cap="all" i="0" spc="0" strike="noStrike" sz="10000" u="none">
+        <a:defRPr sz="10000" b="0" i="0" u="none" strike="noStrike" cap="all" spc="0" baseline="0">
           <a:ln>
             <a:noFill/>
           </a:ln>
@@ -2459,7 +2550,7 @@
         <a:buFontTx/>
         <a:buNone/>
         <a:tabLst/>
-        <a:defRPr b="0" baseline="0" cap="all" i="0" spc="0" strike="noStrike" sz="10000" u="none">
+        <a:defRPr sz="10000" b="0" i="0" u="none" strike="noStrike" cap="all" spc="0" baseline="0">
           <a:ln>
             <a:noFill/>
           </a:ln>
@@ -2490,7 +2581,7 @@
         <a:buFontTx/>
         <a:buChar char="•"/>
         <a:tabLst/>
-        <a:defRPr b="0" baseline="0" cap="none" i="0" spc="0" strike="noStrike" sz="5200" u="none">
+        <a:defRPr sz="5200" b="0" i="0" u="none" strike="noStrike" cap="none" spc="0" baseline="0">
           <a:ln>
             <a:noFill/>
           </a:ln>
@@ -2519,7 +2610,7 @@
         <a:buFontTx/>
         <a:buChar char="•"/>
         <a:tabLst/>
-        <a:defRPr b="0" baseline="0" cap="none" i="0" spc="0" strike="noStrike" sz="5200" u="none">
+        <a:defRPr sz="5200" b="0" i="0" u="none" strike="noStrike" cap="none" spc="0" baseline="0">
           <a:ln>
             <a:noFill/>
           </a:ln>
@@ -2548,7 +2639,7 @@
         <a:buFontTx/>
         <a:buChar char="•"/>
         <a:tabLst/>
-        <a:defRPr b="0" baseline="0" cap="none" i="0" spc="0" strike="noStrike" sz="5200" u="none">
+        <a:defRPr sz="5200" b="0" i="0" u="none" strike="noStrike" cap="none" spc="0" baseline="0">
           <a:ln>
             <a:noFill/>
           </a:ln>
@@ -2577,7 +2668,7 @@
         <a:buFontTx/>
         <a:buChar char="•"/>
         <a:tabLst/>
-        <a:defRPr b="0" baseline="0" cap="none" i="0" spc="0" strike="noStrike" sz="5200" u="none">
+        <a:defRPr sz="5200" b="0" i="0" u="none" strike="noStrike" cap="none" spc="0" baseline="0">
           <a:ln>
             <a:noFill/>
           </a:ln>
@@ -2606,7 +2697,7 @@
         <a:buFontTx/>
         <a:buChar char="•"/>
         <a:tabLst/>
-        <a:defRPr b="0" baseline="0" cap="none" i="0" spc="0" strike="noStrike" sz="5200" u="none">
+        <a:defRPr sz="5200" b="0" i="0" u="none" strike="noStrike" cap="none" spc="0" baseline="0">
           <a:ln>
             <a:noFill/>
           </a:ln>
@@ -2635,7 +2726,7 @@
         <a:buFontTx/>
         <a:buChar char="•"/>
         <a:tabLst/>
-        <a:defRPr b="0" baseline="0" cap="none" i="0" spc="0" strike="noStrike" sz="5200" u="none">
+        <a:defRPr sz="5200" b="0" i="0" u="none" strike="noStrike" cap="none" spc="0" baseline="0">
           <a:ln>
             <a:noFill/>
           </a:ln>
@@ -2664,7 +2755,7 @@
         <a:buFontTx/>
         <a:buChar char="•"/>
         <a:tabLst/>
-        <a:defRPr b="0" baseline="0" cap="none" i="0" spc="0" strike="noStrike" sz="5200" u="none">
+        <a:defRPr sz="5200" b="0" i="0" u="none" strike="noStrike" cap="none" spc="0" baseline="0">
           <a:ln>
             <a:noFill/>
           </a:ln>
@@ -2693,7 +2784,7 @@
         <a:buFontTx/>
         <a:buChar char="•"/>
         <a:tabLst/>
-        <a:defRPr b="0" baseline="0" cap="none" i="0" spc="0" strike="noStrike" sz="5200" u="none">
+        <a:defRPr sz="5200" b="0" i="0" u="none" strike="noStrike" cap="none" spc="0" baseline="0">
           <a:ln>
             <a:noFill/>
           </a:ln>
@@ -2722,7 +2813,7 @@
         <a:buFontTx/>
         <a:buChar char="•"/>
         <a:tabLst/>
-        <a:defRPr b="0" baseline="0" cap="none" i="0" spc="0" strike="noStrike" sz="5200" u="none">
+        <a:defRPr sz="5200" b="0" i="0" u="none" strike="noStrike" cap="none" spc="0" baseline="0">
           <a:ln>
             <a:noFill/>
           </a:ln>
@@ -2753,7 +2844,7 @@
         <a:buFontTx/>
         <a:buNone/>
         <a:tabLst/>
-        <a:defRPr b="0" baseline="0" cap="none" i="0" spc="0" strike="noStrike" sz="2400" u="none">
+        <a:defRPr sz="2400" b="0" i="0" u="none" strike="noStrike" cap="none" spc="0" baseline="0">
           <a:ln>
             <a:noFill/>
           </a:ln>
@@ -2782,7 +2873,7 @@
         <a:buFontTx/>
         <a:buNone/>
         <a:tabLst/>
-        <a:defRPr b="0" baseline="0" cap="none" i="0" spc="0" strike="noStrike" sz="2400" u="none">
+        <a:defRPr sz="2400" b="0" i="0" u="none" strike="noStrike" cap="none" spc="0" baseline="0">
           <a:ln>
             <a:noFill/>
           </a:ln>
@@ -2811,7 +2902,7 @@
         <a:buFontTx/>
         <a:buNone/>
         <a:tabLst/>
-        <a:defRPr b="0" baseline="0" cap="none" i="0" spc="0" strike="noStrike" sz="2400" u="none">
+        <a:defRPr sz="2400" b="0" i="0" u="none" strike="noStrike" cap="none" spc="0" baseline="0">
           <a:ln>
             <a:noFill/>
           </a:ln>
@@ -2840,7 +2931,7 @@
         <a:buFontTx/>
         <a:buNone/>
         <a:tabLst/>
-        <a:defRPr b="0" baseline="0" cap="none" i="0" spc="0" strike="noStrike" sz="2400" u="none">
+        <a:defRPr sz="2400" b="0" i="0" u="none" strike="noStrike" cap="none" spc="0" baseline="0">
           <a:ln>
             <a:noFill/>
           </a:ln>
@@ -2869,7 +2960,7 @@
         <a:buFontTx/>
         <a:buNone/>
         <a:tabLst/>
-        <a:defRPr b="0" baseline="0" cap="none" i="0" spc="0" strike="noStrike" sz="2400" u="none">
+        <a:defRPr sz="2400" b="0" i="0" u="none" strike="noStrike" cap="none" spc="0" baseline="0">
           <a:ln>
             <a:noFill/>
           </a:ln>
@@ -2898,7 +2989,7 @@
         <a:buFontTx/>
         <a:buNone/>
         <a:tabLst/>
-        <a:defRPr b="0" baseline="0" cap="none" i="0" spc="0" strike="noStrike" sz="2400" u="none">
+        <a:defRPr sz="2400" b="0" i="0" u="none" strike="noStrike" cap="none" spc="0" baseline="0">
           <a:ln>
             <a:noFill/>
           </a:ln>
@@ -2927,7 +3018,7 @@
         <a:buFontTx/>
         <a:buNone/>
         <a:tabLst/>
-        <a:defRPr b="0" baseline="0" cap="none" i="0" spc="0" strike="noStrike" sz="2400" u="none">
+        <a:defRPr sz="2400" b="0" i="0" u="none" strike="noStrike" cap="none" spc="0" baseline="0">
           <a:ln>
             <a:noFill/>
           </a:ln>
@@ -2956,7 +3047,7 @@
         <a:buFontTx/>
         <a:buNone/>
         <a:tabLst/>
-        <a:defRPr b="0" baseline="0" cap="none" i="0" spc="0" strike="noStrike" sz="2400" u="none">
+        <a:defRPr sz="2400" b="0" i="0" u="none" strike="noStrike" cap="none" spc="0" baseline="0">
           <a:ln>
             <a:noFill/>
           </a:ln>
@@ -2985,7 +3076,7 @@
         <a:buFontTx/>
         <a:buNone/>
         <a:tabLst/>
-        <a:defRPr b="0" baseline="0" cap="none" i="0" spc="0" strike="noStrike" sz="2400" u="none">
+        <a:defRPr sz="2400" b="0" i="0" u="none" strike="noStrike" cap="none" spc="0" baseline="0">
           <a:ln>
             <a:noFill/>
           </a:ln>
@@ -3005,13 +3096,14 @@
 </file>
 
 <file path=ppt/slides/slide1.xml><?xml version="1.0" encoding="utf-8"?>
-<p:sld xmlns:a="http://schemas.openxmlformats.org/drawingml/2006/main" xmlns:r="http://schemas.openxmlformats.org/officeDocument/2006/relationships" xmlns:p="http://schemas.openxmlformats.org/presentationml/2006/main" showMasterSp="1" showMasterPhAnim="1">
+<p:sld xmlns:a="http://schemas.openxmlformats.org/drawingml/2006/main" xmlns:r="http://schemas.openxmlformats.org/officeDocument/2006/relationships" xmlns:p="http://schemas.openxmlformats.org/presentationml/2006/main">
   <p:cSld>
     <p:bg>
       <p:bgPr>
         <a:solidFill>
           <a:srgbClr val="FFFFFF"/>
         </a:solidFill>
+        <a:effectLst/>
       </p:bgPr>
     </p:bg>
     <p:spTree>
@@ -3036,12 +3128,12 @@
         </p:nvGraphicFramePr>
         <p:xfrm>
           <a:off x="2873065" y="2223990"/>
-          <a:ext cx="18701370" cy="10230548"/>
+          <a:ext cx="18637868" cy="10167045"/>
         </p:xfrm>
-        <a:graphic xmlns:a="http://schemas.openxmlformats.org/drawingml/2006/main">
+        <a:graphic>
           <a:graphicData uri="http://schemas.openxmlformats.org/drawingml/2006/table">
             <a:tbl>
-              <a:tblPr firstCol="0" firstRow="0" lastCol="0" lastRow="0" bandCol="0" bandRow="0" rtl="0">
+              <a:tblPr>
                 <a:tableStyleId>{4C3C2611-4C71-4FC5-86AE-919BDF0F9419}</a:tableStyleId>
               </a:tblPr>
               <a:tblGrid>
@@ -3063,7 +3155,7 @@
                         </a:defRPr>
                       </a:pPr>
                       <a:r>
-                        <a:rPr b="1" sz="3000">
+                        <a:rPr sz="3000" b="1">
                           <a:solidFill>
                             <a:srgbClr val="5A5F5E"/>
                           </a:solidFill>
@@ -3076,7 +3168,7 @@
                       </a:r>
                     </a:p>
                   </a:txBody>
-                  <a:tcPr marL="63500" marR="63500" marT="0" marB="0" anchor="ctr" anchorCtr="0" horzOverflow="overflow">
+                  <a:tcPr marL="63500" marR="63500" marT="0" marB="0" anchor="ctr" horzOverflow="overflow">
                     <a:lnL w="63500">
                       <a:solidFill>
                         <a:srgbClr val="232B2D"/>
@@ -3124,6 +3216,15 @@
                       <a:r>
                         <a:t>我的产品是：</a:t>
                       </a:r>
+                      <a:r>
+                        <a:rPr>
+                          <a:latin typeface="Times New Roman"/>
+                          <a:ea typeface="Times New Roman"/>
+                          <a:cs typeface="Times New Roman"/>
+                          <a:sym typeface="Times New Roman"/>
+                        </a:rPr>
+                        <a:t/>
+                      </a:r>
                       <a:br>
                         <a:rPr>
                           <a:latin typeface="Times New Roman"/>
@@ -3137,7 +3238,7 @@
                       </a:r>
                     </a:p>
                   </a:txBody>
-                  <a:tcPr marL="63500" marR="63500" marT="0" marB="0" anchor="ctr" anchorCtr="0" horzOverflow="overflow">
+                  <a:tcPr marL="63500" marR="63500" marT="0" marB="0" anchor="ctr" horzOverflow="overflow">
                     <a:lnL w="12700">
                       <a:solidFill>
                         <a:srgbClr val="232B2D"/>
@@ -3182,7 +3283,7 @@
                         </a:defRPr>
                       </a:pPr>
                       <a:r>
-                        <a:rPr b="1" sz="3000">
+                        <a:rPr sz="3000" b="1">
                           <a:solidFill>
                             <a:srgbClr val="5A5F5E"/>
                           </a:solidFill>
@@ -3195,7 +3296,7 @@
                       </a:r>
                     </a:p>
                   </a:txBody>
-                  <a:tcPr marL="63500" marR="63500" marT="0" marB="0" anchor="ctr" anchorCtr="0" horzOverflow="overflow">
+                  <a:tcPr marL="63500" marR="63500" marT="0" marB="0" anchor="ctr" horzOverflow="overflow">
                     <a:lnL w="12700">
                       <a:solidFill>
                         <a:srgbClr val="232B2D"/>
@@ -3261,6 +3362,12 @@
                           <a:sym typeface="Times New Roman"/>
                         </a:defRPr>
                       </a:pPr>
+                      <a:endParaRPr>
+                        <a:latin typeface="Times New Roman"/>
+                        <a:ea typeface="Times New Roman"/>
+                        <a:cs typeface="Times New Roman"/>
+                        <a:sym typeface="Times New Roman"/>
+                      </a:endParaRPr>
                     </a:p>
                     <a:p>
                       <a:pPr marR="642937">
@@ -3271,6 +3378,12 @@
                           <a:sym typeface="Times New Roman"/>
                         </a:defRPr>
                       </a:pPr>
+                      <a:endParaRPr>
+                        <a:latin typeface="Times New Roman"/>
+                        <a:ea typeface="Times New Roman"/>
+                        <a:cs typeface="Times New Roman"/>
+                        <a:sym typeface="Times New Roman"/>
+                      </a:endParaRPr>
                     </a:p>
                     <a:p>
                       <a:pPr marR="642937">
@@ -3281,6 +3394,12 @@
                           <a:sym typeface="Times New Roman"/>
                         </a:defRPr>
                       </a:pPr>
+                      <a:endParaRPr>
+                        <a:latin typeface="Times New Roman"/>
+                        <a:ea typeface="Times New Roman"/>
+                        <a:cs typeface="Times New Roman"/>
+                        <a:sym typeface="Times New Roman"/>
+                      </a:endParaRPr>
                     </a:p>
                     <a:p>
                       <a:pPr marR="642937">
@@ -3291,6 +3410,12 @@
                           <a:sym typeface="Times New Roman"/>
                         </a:defRPr>
                       </a:pPr>
+                      <a:endParaRPr>
+                        <a:latin typeface="Times New Roman"/>
+                        <a:ea typeface="Times New Roman"/>
+                        <a:cs typeface="Times New Roman"/>
+                        <a:sym typeface="Times New Roman"/>
+                      </a:endParaRPr>
                     </a:p>
                     <a:p>
                       <a:pPr marR="642937">
@@ -3301,9 +3426,15 @@
                           <a:sym typeface="Times New Roman"/>
                         </a:defRPr>
                       </a:pPr>
+                      <a:endParaRPr>
+                        <a:latin typeface="Times New Roman"/>
+                        <a:ea typeface="Times New Roman"/>
+                        <a:cs typeface="Times New Roman"/>
+                        <a:sym typeface="Times New Roman"/>
+                      </a:endParaRPr>
                     </a:p>
                   </a:txBody>
-                  <a:tcPr marL="63500" marR="63500" marT="0" marB="0" anchor="t" anchorCtr="0" horzOverflow="overflow">
+                  <a:tcPr marL="63500" marR="63500" marT="0" marB="0" horzOverflow="overflow">
                     <a:lnL w="63500">
                       <a:solidFill>
                         <a:srgbClr val="232B2D"/>
@@ -3331,6 +3462,13 @@
                   </a:tcPr>
                 </a:tc>
                 <a:tc vMerge="1">
+                  <a:txBody>
+                    <a:bodyPr/>
+                    <a:lstStyle/>
+                    <a:p>
+                      <a:endParaRPr lang="zh-CN"/>
+                    </a:p>
+                  </a:txBody>
                   <a:tcPr/>
                 </a:tc>
                 <a:tc>
@@ -3359,7 +3497,7 @@
                       </a:r>
                     </a:p>
                   </a:txBody>
-                  <a:tcPr marL="63500" marR="63500" marT="0" marB="0" anchor="t" anchorCtr="0" horzOverflow="overflow">
+                  <a:tcPr marL="63500" marR="63500" marT="0" marB="0" horzOverflow="overflow">
                     <a:lnL w="12700">
                       <a:solidFill>
                         <a:srgbClr val="232B2D"/>
@@ -3401,7 +3539,7 @@
                         </a:defRPr>
                       </a:pPr>
                       <a:r>
-                        <a:rPr b="1" sz="3000">
+                        <a:rPr sz="3000" b="1">
                           <a:solidFill>
                             <a:srgbClr val="5A5F5E"/>
                           </a:solidFill>
@@ -3414,7 +3552,7 @@
                       </a:r>
                     </a:p>
                   </a:txBody>
-                  <a:tcPr marL="63500" marR="63500" marT="0" marB="0" anchor="ctr" anchorCtr="0" horzOverflow="overflow">
+                  <a:tcPr marL="63500" marR="63500" marT="0" marB="0" anchor="ctr" horzOverflow="overflow">
                     <a:lnL w="63500">
                       <a:solidFill>
                         <a:srgbClr val="232B2D"/>
@@ -3447,6 +3585,13 @@
                   </a:tcPr>
                 </a:tc>
                 <a:tc vMerge="1">
+                  <a:txBody>
+                    <a:bodyPr/>
+                    <a:lstStyle/>
+                    <a:p>
+                      <a:endParaRPr lang="zh-CN"/>
+                    </a:p>
+                  </a:txBody>
                   <a:tcPr/>
                 </a:tc>
                 <a:tc>
@@ -3462,7 +3607,7 @@
                         </a:defRPr>
                       </a:pPr>
                       <a:r>
-                        <a:rPr b="1" sz="3000">
+                        <a:rPr sz="3000" b="1">
                           <a:solidFill>
                             <a:srgbClr val="5A5F5E"/>
                           </a:solidFill>
@@ -3475,7 +3620,7 @@
                       </a:r>
                     </a:p>
                   </a:txBody>
-                  <a:tcPr marL="63500" marR="63500" marT="0" marB="0" anchor="ctr" anchorCtr="0" horzOverflow="overflow">
+                  <a:tcPr marL="63500" marR="63500" marT="0" marB="0" anchor="ctr" horzOverflow="overflow">
                     <a:lnL w="12700">
                       <a:solidFill>
                         <a:srgbClr val="232B2D"/>
@@ -3535,7 +3680,7 @@
                       </a:r>
                     </a:p>
                   </a:txBody>
-                  <a:tcPr marL="63500" marR="63500" marT="0" marB="0" anchor="t" anchorCtr="0" horzOverflow="overflow">
+                  <a:tcPr marL="63500" marR="63500" marT="0" marB="0" horzOverflow="overflow">
                     <a:lnL w="63500">
                       <a:solidFill>
                         <a:srgbClr val="232B2D"/>
@@ -3563,6 +3708,13 @@
                   </a:tcPr>
                 </a:tc>
                 <a:tc vMerge="1">
+                  <a:txBody>
+                    <a:bodyPr/>
+                    <a:lstStyle/>
+                    <a:p>
+                      <a:endParaRPr lang="zh-CN"/>
+                    </a:p>
+                  </a:txBody>
                   <a:tcPr/>
                 </a:tc>
                 <a:tc>
@@ -3591,7 +3743,7 @@
                       </a:r>
                     </a:p>
                   </a:txBody>
-                  <a:tcPr marL="63500" marR="63500" marT="0" marB="0" anchor="t" anchorCtr="0" horzOverflow="overflow">
+                  <a:tcPr marL="63500" marR="63500" marT="0" marB="0" horzOverflow="overflow">
                     <a:lnL w="12700">
                       <a:solidFill>
                         <a:srgbClr val="232B2D"/>
@@ -3656,7 +3808,6 @@
             </a:lvl1pPr>
           </a:lstStyle>
           <a:p>
-            <a:pPr/>
             <a:r>
               <a:t>姓名：___________</a:t>
             </a:r>
@@ -3696,7 +3847,6 @@
             </a:lvl1pPr>
           </a:lstStyle>
           <a:p>
-            <a:pPr/>
             <a:r>
               <a:t>Worksheet1_我的PMF画布</a:t>
             </a:r>
@@ -3708,12 +3858,12 @@
   <p:clrMapOvr>
     <a:masterClrMapping/>
   </p:clrMapOvr>
-  <p:transition xmlns:p14="http://schemas.microsoft.com/office/powerpoint/2010/main" spd="med" advClick="1"/>
+  <p:transition spd="med"/>
 </p:sld>
 </file>
 
 <file path=ppt/slides/slide2.xml><?xml version="1.0" encoding="utf-8"?>
-<p:sld xmlns:a="http://schemas.openxmlformats.org/drawingml/2006/main" xmlns:r="http://schemas.openxmlformats.org/officeDocument/2006/relationships" xmlns:p="http://schemas.openxmlformats.org/presentationml/2006/main" showMasterSp="1" showMasterPhAnim="1">
+<p:sld xmlns:a="http://schemas.openxmlformats.org/drawingml/2006/main" xmlns:r="http://schemas.openxmlformats.org/officeDocument/2006/relationships" xmlns:p="http://schemas.openxmlformats.org/presentationml/2006/main">
   <p:cSld>
     <p:spTree>
       <p:nvGrpSpPr>
@@ -3732,7 +3882,9 @@
       <p:sp>
         <p:nvSpPr>
           <p:cNvPr id="123" name="Shape 123"/>
-          <p:cNvSpPr/>
+          <p:cNvSpPr>
+            <a:spLocks noGrp="1"/>
+          </p:cNvSpPr>
           <p:nvPr>
             <p:ph type="title"/>
           </p:nvPr>
@@ -3746,7 +3898,6 @@
           <a:bodyPr/>
           <a:lstStyle/>
           <a:p>
-            <a:pPr/>
             <a:r>
               <a:t>关于PMF画布作业提交</a:t>
             </a:r>
@@ -3756,7 +3907,9 @@
       <p:sp>
         <p:nvSpPr>
           <p:cNvPr id="124" name="Shape 124"/>
-          <p:cNvSpPr/>
+          <p:cNvSpPr>
+            <a:spLocks noGrp="1"/>
+          </p:cNvSpPr>
           <p:nvPr>
             <p:ph type="body" idx="1"/>
           </p:nvPr>
@@ -3786,7 +3939,7 @@
               <a:defRPr sz="4500"/>
             </a:pPr>
             <a:r>
-              <a:rPr>
+              <a:rPr dirty="0">
                 <a:latin typeface="Gill Sans SemiBold"/>
                 <a:ea typeface="Gill Sans SemiBold"/>
                 <a:cs typeface="Gill Sans SemiBold"/>
@@ -3795,6 +3948,7 @@
               <a:t>Step1：</a:t>
             </a:r>
             <a:r>
+              <a:rPr dirty="0"/>
               <a:t>将上一页的PMF画布内容填写完成后，导出图片格式（Jpg／Jpe／Png）；</a:t>
             </a:r>
           </a:p>
@@ -3811,7 +3965,7 @@
               <a:defRPr sz="4500"/>
             </a:pPr>
             <a:r>
-              <a:rPr>
+              <a:rPr dirty="0" smtClean="0">
                 <a:latin typeface="Gill Sans SemiBold"/>
                 <a:ea typeface="Gill Sans SemiBold"/>
                 <a:cs typeface="Gill Sans SemiBold"/>
@@ -3820,20 +3974,46 @@
               <a:t>Step2：</a:t>
             </a:r>
             <a:r>
-              <a:t>在课程下方的“</a:t>
-            </a:r>
-            <a:r>
-              <a:rPr>
-                <a:latin typeface="Gill Sans SemiBold"/>
-                <a:ea typeface="Gill Sans SemiBold"/>
-                <a:cs typeface="Gill Sans SemiBold"/>
-                <a:sym typeface="Gill Sans SemiBold"/>
-              </a:rPr>
-              <a:t>讨论区</a:t>
-            </a:r>
-            <a:r>
-              <a:t>”中发布，具体发布操作指南详见下一P。</a:t>
-            </a:r>
+              <a:rPr lang="zh-CN" altLang="en-US" dirty="0" smtClean="0"/>
+              <a:t>发布微博，带上话题</a:t>
+            </a:r>
+            <a:r>
+              <a:rPr lang="en-US" altLang="zh-CN" b="1" dirty="0" smtClean="0"/>
+              <a:t>#</a:t>
+            </a:r>
+            <a:r>
+              <a:rPr lang="zh-CN" altLang="en-US" b="1" dirty="0" smtClean="0"/>
+              <a:t>半撇私塾</a:t>
+            </a:r>
+            <a:r>
+              <a:rPr lang="en-US" altLang="zh-CN" b="1" dirty="0" smtClean="0"/>
+              <a:t>##</a:t>
+            </a:r>
+            <a:r>
+              <a:rPr lang="zh-CN" altLang="en-US" b="1" dirty="0" smtClean="0"/>
+              <a:t>全栈新媒体人成长计划</a:t>
+            </a:r>
+            <a:r>
+              <a:rPr lang="en-US" altLang="zh-CN" b="1" dirty="0" smtClean="0"/>
+              <a:t>#</a:t>
+            </a:r>
+            <a:r>
+              <a:rPr lang="zh-CN" altLang="en-US" dirty="0" smtClean="0"/>
+              <a:t>＋你想说的话，并</a:t>
+            </a:r>
+            <a:r>
+              <a:rPr lang="en-US" altLang="zh-CN" b="1" dirty="0" smtClean="0"/>
+              <a:t>@</a:t>
+            </a:r>
+            <a:r>
+              <a:rPr lang="zh-CN" altLang="en-US" b="1" dirty="0" smtClean="0"/>
+              <a:t>半撇私塾</a:t>
+            </a:r>
+            <a:r>
+              <a:rPr dirty="0" smtClean="0"/>
+              <a:t>。</a:t>
+            </a:r>
+            <a:endParaRPr dirty="0"/>
           </a:p>
           <a:p>
             <a:pPr marL="0" indent="0">
@@ -3847,6 +4027,7 @@
               <a:buNone/>
               <a:defRPr sz="4500"/>
             </a:pPr>
+            <a:endParaRPr dirty="0"/>
           </a:p>
           <a:p>
             <a:pPr marL="0" indent="0">
@@ -3861,8 +4042,26 @@
               <a:defRPr sz="4500"/>
             </a:pPr>
             <a:r>
-              <a:t>老师将会在最后一天直播课程中留出部分时间抽取部分同学的作业进行点评。</a:t>
-            </a:r>
+              <a:rPr dirty="0" smtClean="0"/>
+              <a:t>老师将会</a:t>
+            </a:r>
+            <a:r>
+              <a:rPr lang="zh-CN" altLang="en-US" dirty="0" smtClean="0"/>
+              <a:t>在</a:t>
+            </a:r>
+            <a:r>
+              <a:rPr lang="en-US" altLang="zh-CN" dirty="0" smtClean="0"/>
+              <a:t>2</a:t>
+            </a:r>
+            <a:r>
+              <a:rPr lang="zh-CN" altLang="en-US" dirty="0" smtClean="0"/>
+              <a:t>个工作日内对你的作业进行点评</a:t>
+            </a:r>
+            <a:r>
+              <a:rPr dirty="0" smtClean="0"/>
+              <a:t>。</a:t>
+            </a:r>
+            <a:endParaRPr dirty="0"/>
           </a:p>
         </p:txBody>
       </p:sp>
@@ -3871,249 +4070,12 @@
   <p:clrMapOvr>
     <a:masterClrMapping/>
   </p:clrMapOvr>
-  <p:transition xmlns:p14="http://schemas.microsoft.com/office/powerpoint/2010/main" spd="med" advClick="1" p14:dur="1000"/>
-</p:sld>
-</file>
-
-<file path=ppt/slides/slide3.xml><?xml version="1.0" encoding="utf-8"?>
-<p:sld xmlns:a="http://schemas.openxmlformats.org/drawingml/2006/main" xmlns:r="http://schemas.openxmlformats.org/officeDocument/2006/relationships" xmlns:p="http://schemas.openxmlformats.org/presentationml/2006/main" showMasterSp="1" showMasterPhAnim="1">
-  <p:cSld>
-    <p:spTree>
-      <p:nvGrpSpPr>
-        <p:cNvPr id="1" name=""/>
-        <p:cNvGrpSpPr/>
-        <p:nvPr/>
-      </p:nvGrpSpPr>
-      <p:grpSpPr>
-        <a:xfrm>
-          <a:off x="0" y="0"/>
-          <a:ext cx="0" cy="0"/>
-          <a:chOff x="0" y="0"/>
-          <a:chExt cx="0" cy="0"/>
-        </a:xfrm>
-      </p:grpSpPr>
-      <p:pic>
-        <p:nvPicPr>
-          <p:cNvPr id="126" name="222.png"/>
-          <p:cNvPicPr>
-            <a:picLocks noChangeAspect="1"/>
-          </p:cNvPicPr>
-          <p:nvPr/>
-        </p:nvPicPr>
-        <p:blipFill>
-          <a:blip r:embed="rId2">
-            <a:extLst/>
-          </a:blip>
-          <a:stretch>
-            <a:fillRect/>
-          </a:stretch>
-        </p:blipFill>
-        <p:spPr>
-          <a:xfrm>
-            <a:off x="3403415" y="3888253"/>
-            <a:ext cx="17586384" cy="7806777"/>
-          </a:xfrm>
-          <a:prstGeom prst="rect">
-            <a:avLst/>
-          </a:prstGeom>
-          <a:ln w="12700">
-            <a:miter lim="400000"/>
-          </a:ln>
-        </p:spPr>
-      </p:pic>
-      <p:sp>
-        <p:nvSpPr>
-          <p:cNvPr id="127" name="Shape 127"/>
-          <p:cNvSpPr/>
-          <p:nvPr>
-            <p:ph type="title"/>
-          </p:nvPr>
-        </p:nvSpPr>
-        <p:spPr>
-          <a:prstGeom prst="rect">
-            <a:avLst/>
-          </a:prstGeom>
-        </p:spPr>
-        <p:txBody>
-          <a:bodyPr/>
-          <a:lstStyle/>
-          <a:p>
-            <a:pPr/>
-            <a:r>
-              <a:t>在讨论区发布PMF画布指南</a:t>
-            </a:r>
-          </a:p>
-        </p:txBody>
-      </p:sp>
-    </p:spTree>
-  </p:cSld>
-  <p:clrMapOvr>
-    <a:masterClrMapping/>
-  </p:clrMapOvr>
-  <p:transition xmlns:p14="http://schemas.microsoft.com/office/powerpoint/2010/main" spd="med" advClick="1" p14:dur="1000"/>
-</p:sld>
-</file>
-
-<file path=ppt/slides/slide4.xml><?xml version="1.0" encoding="utf-8"?>
-<p:sld xmlns:a="http://schemas.openxmlformats.org/drawingml/2006/main" xmlns:r="http://schemas.openxmlformats.org/officeDocument/2006/relationships" xmlns:p="http://schemas.openxmlformats.org/presentationml/2006/main" showMasterSp="1" showMasterPhAnim="1">
-  <p:cSld>
-    <p:spTree>
-      <p:nvGrpSpPr>
-        <p:cNvPr id="1" name=""/>
-        <p:cNvGrpSpPr/>
-        <p:nvPr/>
-      </p:nvGrpSpPr>
-      <p:grpSpPr>
-        <a:xfrm>
-          <a:off x="0" y="0"/>
-          <a:ext cx="0" cy="0"/>
-          <a:chOff x="0" y="0"/>
-          <a:chExt cx="0" cy="0"/>
-        </a:xfrm>
-      </p:grpSpPr>
-      <p:sp>
-        <p:nvSpPr>
-          <p:cNvPr id="129" name="Shape 129"/>
-          <p:cNvSpPr/>
-          <p:nvPr>
-            <p:ph type="title"/>
-          </p:nvPr>
-        </p:nvSpPr>
-        <p:spPr>
-          <a:prstGeom prst="rect">
-            <a:avLst/>
-          </a:prstGeom>
-        </p:spPr>
-        <p:txBody>
-          <a:bodyPr/>
-          <a:lstStyle/>
-          <a:p>
-            <a:pPr/>
-            <a:r>
-              <a:t>在讨论区发布PMF画布指南</a:t>
-            </a:r>
-          </a:p>
-        </p:txBody>
-      </p:sp>
-      <p:pic>
-        <p:nvPicPr>
-          <p:cNvPr id="130" name="333.png"/>
-          <p:cNvPicPr>
-            <a:picLocks noChangeAspect="1"/>
-          </p:cNvPicPr>
-          <p:nvPr/>
-        </p:nvPicPr>
-        <p:blipFill>
-          <a:blip r:embed="rId2">
-            <a:extLst/>
-          </a:blip>
-          <a:stretch>
-            <a:fillRect/>
-          </a:stretch>
-        </p:blipFill>
-        <p:spPr>
-          <a:xfrm>
-            <a:off x="3398808" y="3854411"/>
-            <a:ext cx="17586384" cy="7806777"/>
-          </a:xfrm>
-          <a:prstGeom prst="rect">
-            <a:avLst/>
-          </a:prstGeom>
-          <a:ln w="12700">
-            <a:miter lim="400000"/>
-          </a:ln>
-        </p:spPr>
-      </p:pic>
-    </p:spTree>
-  </p:cSld>
-  <p:clrMapOvr>
-    <a:masterClrMapping/>
-  </p:clrMapOvr>
-  <p:transition xmlns:p14="http://schemas.microsoft.com/office/powerpoint/2010/main" spd="med" advClick="1" p14:dur="1000"/>
-</p:sld>
-</file>
-
-<file path=ppt/slides/slide5.xml><?xml version="1.0" encoding="utf-8"?>
-<p:sld xmlns:a="http://schemas.openxmlformats.org/drawingml/2006/main" xmlns:r="http://schemas.openxmlformats.org/officeDocument/2006/relationships" xmlns:p="http://schemas.openxmlformats.org/presentationml/2006/main" showMasterSp="1" showMasterPhAnim="1">
-  <p:cSld>
-    <p:spTree>
-      <p:nvGrpSpPr>
-        <p:cNvPr id="1" name=""/>
-        <p:cNvGrpSpPr/>
-        <p:nvPr/>
-      </p:nvGrpSpPr>
-      <p:grpSpPr>
-        <a:xfrm>
-          <a:off x="0" y="0"/>
-          <a:ext cx="0" cy="0"/>
-          <a:chOff x="0" y="0"/>
-          <a:chExt cx="0" cy="0"/>
-        </a:xfrm>
-      </p:grpSpPr>
-      <p:sp>
-        <p:nvSpPr>
-          <p:cNvPr id="132" name="Shape 132"/>
-          <p:cNvSpPr/>
-          <p:nvPr>
-            <p:ph type="title"/>
-          </p:nvPr>
-        </p:nvSpPr>
-        <p:spPr>
-          <a:prstGeom prst="rect">
-            <a:avLst/>
-          </a:prstGeom>
-        </p:spPr>
-        <p:txBody>
-          <a:bodyPr/>
-          <a:lstStyle/>
-          <a:p>
-            <a:pPr/>
-            <a:r>
-              <a:t>在讨论区发布PMF画布指南</a:t>
-            </a:r>
-          </a:p>
-        </p:txBody>
-      </p:sp>
-      <p:pic>
-        <p:nvPicPr>
-          <p:cNvPr id="133" name="444.png"/>
-          <p:cNvPicPr>
-            <a:picLocks noChangeAspect="1"/>
-          </p:cNvPicPr>
-          <p:nvPr/>
-        </p:nvPicPr>
-        <p:blipFill>
-          <a:blip r:embed="rId2">
-            <a:extLst/>
-          </a:blip>
-          <a:stretch>
-            <a:fillRect/>
-          </a:stretch>
-        </p:blipFill>
-        <p:spPr>
-          <a:xfrm>
-            <a:off x="4028879" y="3573139"/>
-            <a:ext cx="16529796" cy="9138750"/>
-          </a:xfrm>
-          <a:prstGeom prst="rect">
-            <a:avLst/>
-          </a:prstGeom>
-          <a:ln w="12700">
-            <a:miter lim="400000"/>
-          </a:ln>
-        </p:spPr>
-      </p:pic>
-    </p:spTree>
-  </p:cSld>
-  <p:clrMapOvr>
-    <a:masterClrMapping/>
-  </p:clrMapOvr>
-  <p:transition xmlns:p14="http://schemas.microsoft.com/office/powerpoint/2010/main" spd="med" advClick="1" p14:dur="1000"/>
+  <p:transition spd="slow"/>
 </p:sld>
 </file>
 
 <file path=ppt/theme/theme1.xml><?xml version="1.0" encoding="utf-8"?>
-<a:theme xmlns:a="http://schemas.openxmlformats.org/drawingml/2006/main" xmlns:r="http://schemas.openxmlformats.org/officeDocument/2006/relationships" name="Showroom">
+<a:theme xmlns:a="http://schemas.openxmlformats.org/drawingml/2006/main" name="Showroom">
   <a:themeElements>
     <a:clrScheme name="Showroom">
       <a:dk1>
@@ -4312,7 +4274,7 @@
         <a:effectLst/>
         <a:sp3d/>
       </a:spPr>
-      <a:bodyPr rot="0" spcFirstLastPara="1" vertOverflow="overflow" horzOverflow="overflow" vert="horz" wrap="square" lIns="71437" tIns="71437" rIns="71437" bIns="71437" numCol="1" spcCol="38100" rtlCol="0" anchor="ctr" upright="0">
+      <a:bodyPr rot="0" spcFirstLastPara="1" vertOverflow="overflow" horzOverflow="overflow" vert="horz" wrap="square" lIns="71437" tIns="71437" rIns="71437" bIns="71437" numCol="1" spcCol="38100" rtlCol="0" anchor="ctr">
         <a:spAutoFit/>
       </a:bodyPr>
       <a:lstStyle>
@@ -4331,7 +4293,7 @@
           <a:buFontTx/>
           <a:buNone/>
           <a:tabLst/>
-          <a:defRPr b="0" baseline="0" cap="none" i="0" spc="0" strike="noStrike" sz="5000" u="none" kumimoji="0" normalizeH="0">
+          <a:defRPr kumimoji="0" sz="5000" b="0" i="0" u="none" strike="noStrike" cap="none" spc="0" normalizeH="0" baseline="0">
             <a:ln>
               <a:noFill/>
             </a:ln>
@@ -4361,7 +4323,7 @@
           <a:buFontTx/>
           <a:buNone/>
           <a:tabLst/>
-          <a:defRPr b="0" baseline="0" cap="none" i="0" spc="0" strike="noStrike" sz="1800" u="none" kumimoji="0" normalizeH="0">
+          <a:defRPr kumimoji="0" sz="1800" b="0" i="0" u="none" strike="noStrike" cap="none" spc="0" normalizeH="0" baseline="0">
             <a:ln>
               <a:noFill/>
             </a:ln>
@@ -4387,7 +4349,7 @@
           <a:buFontTx/>
           <a:buNone/>
           <a:tabLst/>
-          <a:defRPr b="0" baseline="0" cap="none" i="0" spc="0" strike="noStrike" sz="1800" u="none" kumimoji="0" normalizeH="0">
+          <a:defRPr kumimoji="0" sz="1800" b="0" i="0" u="none" strike="noStrike" cap="none" spc="0" normalizeH="0" baseline="0">
             <a:ln>
               <a:noFill/>
             </a:ln>
@@ -4413,7 +4375,7 @@
           <a:buFontTx/>
           <a:buNone/>
           <a:tabLst/>
-          <a:defRPr b="0" baseline="0" cap="none" i="0" spc="0" strike="noStrike" sz="1800" u="none" kumimoji="0" normalizeH="0">
+          <a:defRPr kumimoji="0" sz="1800" b="0" i="0" u="none" strike="noStrike" cap="none" spc="0" normalizeH="0" baseline="0">
             <a:ln>
               <a:noFill/>
             </a:ln>
@@ -4439,7 +4401,7 @@
           <a:buFontTx/>
           <a:buNone/>
           <a:tabLst/>
-          <a:defRPr b="0" baseline="0" cap="none" i="0" spc="0" strike="noStrike" sz="1800" u="none" kumimoji="0" normalizeH="0">
+          <a:defRPr kumimoji="0" sz="1800" b="0" i="0" u="none" strike="noStrike" cap="none" spc="0" normalizeH="0" baseline="0">
             <a:ln>
               <a:noFill/>
             </a:ln>
@@ -4465,7 +4427,7 @@
           <a:buFontTx/>
           <a:buNone/>
           <a:tabLst/>
-          <a:defRPr b="0" baseline="0" cap="none" i="0" spc="0" strike="noStrike" sz="1800" u="none" kumimoji="0" normalizeH="0">
+          <a:defRPr kumimoji="0" sz="1800" b="0" i="0" u="none" strike="noStrike" cap="none" spc="0" normalizeH="0" baseline="0">
             <a:ln>
               <a:noFill/>
             </a:ln>
@@ -4491,7 +4453,7 @@
           <a:buFontTx/>
           <a:buNone/>
           <a:tabLst/>
-          <a:defRPr b="0" baseline="0" cap="none" i="0" spc="0" strike="noStrike" sz="1800" u="none" kumimoji="0" normalizeH="0">
+          <a:defRPr kumimoji="0" sz="1800" b="0" i="0" u="none" strike="noStrike" cap="none" spc="0" normalizeH="0" baseline="0">
             <a:ln>
               <a:noFill/>
             </a:ln>
@@ -4517,7 +4479,7 @@
           <a:buFontTx/>
           <a:buNone/>
           <a:tabLst/>
-          <a:defRPr b="0" baseline="0" cap="none" i="0" spc="0" strike="noStrike" sz="1800" u="none" kumimoji="0" normalizeH="0">
+          <a:defRPr kumimoji="0" sz="1800" b="0" i="0" u="none" strike="noStrike" cap="none" spc="0" normalizeH="0" baseline="0">
             <a:ln>
               <a:noFill/>
             </a:ln>
@@ -4543,7 +4505,7 @@
           <a:buFontTx/>
           <a:buNone/>
           <a:tabLst/>
-          <a:defRPr b="0" baseline="0" cap="none" i="0" spc="0" strike="noStrike" sz="1800" u="none" kumimoji="0" normalizeH="0">
+          <a:defRPr kumimoji="0" sz="1800" b="0" i="0" u="none" strike="noStrike" cap="none" spc="0" normalizeH="0" baseline="0">
             <a:ln>
               <a:noFill/>
             </a:ln>
@@ -4569,7 +4531,7 @@
           <a:buFontTx/>
           <a:buNone/>
           <a:tabLst/>
-          <a:defRPr b="0" baseline="0" cap="none" i="0" spc="0" strike="noStrike" sz="1800" u="none" kumimoji="0" normalizeH="0">
+          <a:defRPr kumimoji="0" sz="1800" b="0" i="0" u="none" strike="noStrike" cap="none" spc="0" normalizeH="0" baseline="0">
             <a:ln>
               <a:noFill/>
             </a:ln>
@@ -4582,9 +4544,15 @@
         </a:lvl9pPr>
       </a:lstStyle>
       <a:style>
-        <a:lnRef idx="0"/>
-        <a:fillRef idx="0"/>
-        <a:effectRef idx="0"/>
+        <a:lnRef idx="0">
+          <a:scrgbClr r="0" g="0" b="0"/>
+        </a:lnRef>
+        <a:fillRef idx="0">
+          <a:scrgbClr r="0" g="0" b="0"/>
+        </a:fillRef>
+        <a:effectRef idx="0">
+          <a:scrgbClr r="0" g="0" b="0"/>
+        </a:effectRef>
         <a:fontRef idx="none"/>
       </a:style>
     </a:spDef>
@@ -4601,7 +4569,7 @@
         <a:effectLst/>
         <a:sp3d/>
       </a:spPr>
-      <a:bodyPr rot="0" spcFirstLastPara="1" vertOverflow="overflow" horzOverflow="overflow" vert="horz" wrap="square" lIns="91439" tIns="45719" rIns="91439" bIns="45719" numCol="1" spcCol="38100" rtlCol="0" anchor="t" upright="0">
+      <a:bodyPr rot="0" spcFirstLastPara="1" vertOverflow="overflow" horzOverflow="overflow" vert="horz" wrap="square" lIns="91439" tIns="45719" rIns="91439" bIns="45719" numCol="1" spcCol="38100" rtlCol="0" anchor="t">
         <a:noAutofit/>
       </a:bodyPr>
       <a:lstStyle>
@@ -4620,7 +4588,7 @@
           <a:buFontTx/>
           <a:buNone/>
           <a:tabLst/>
-          <a:defRPr b="0" baseline="0" cap="none" i="0" spc="0" strike="noStrike" sz="1800" u="none" kumimoji="0" normalizeH="0">
+          <a:defRPr kumimoji="0" sz="1800" b="0" i="0" u="none" strike="noStrike" cap="none" spc="0" normalizeH="0" baseline="0">
             <a:ln>
               <a:noFill/>
             </a:ln>
@@ -4646,7 +4614,7 @@
           <a:buFontTx/>
           <a:buNone/>
           <a:tabLst/>
-          <a:defRPr b="0" baseline="0" cap="none" i="0" spc="0" strike="noStrike" sz="1800" u="none" kumimoji="0" normalizeH="0">
+          <a:defRPr kumimoji="0" sz="1800" b="0" i="0" u="none" strike="noStrike" cap="none" spc="0" normalizeH="0" baseline="0">
             <a:ln>
               <a:noFill/>
             </a:ln>
@@ -4672,7 +4640,7 @@
           <a:buFontTx/>
           <a:buNone/>
           <a:tabLst/>
-          <a:defRPr b="0" baseline="0" cap="none" i="0" spc="0" strike="noStrike" sz="1800" u="none" kumimoji="0" normalizeH="0">
+          <a:defRPr kumimoji="0" sz="1800" b="0" i="0" u="none" strike="noStrike" cap="none" spc="0" normalizeH="0" baseline="0">
             <a:ln>
               <a:noFill/>
             </a:ln>
@@ -4698,7 +4666,7 @@
           <a:buFontTx/>
           <a:buNone/>
           <a:tabLst/>
-          <a:defRPr b="0" baseline="0" cap="none" i="0" spc="0" strike="noStrike" sz="1800" u="none" kumimoji="0" normalizeH="0">
+          <a:defRPr kumimoji="0" sz="1800" b="0" i="0" u="none" strike="noStrike" cap="none" spc="0" normalizeH="0" baseline="0">
             <a:ln>
               <a:noFill/>
             </a:ln>
@@ -4724,7 +4692,7 @@
           <a:buFontTx/>
           <a:buNone/>
           <a:tabLst/>
-          <a:defRPr b="0" baseline="0" cap="none" i="0" spc="0" strike="noStrike" sz="1800" u="none" kumimoji="0" normalizeH="0">
+          <a:defRPr kumimoji="0" sz="1800" b="0" i="0" u="none" strike="noStrike" cap="none" spc="0" normalizeH="0" baseline="0">
             <a:ln>
               <a:noFill/>
             </a:ln>
@@ -4750,7 +4718,7 @@
           <a:buFontTx/>
           <a:buNone/>
           <a:tabLst/>
-          <a:defRPr b="0" baseline="0" cap="none" i="0" spc="0" strike="noStrike" sz="1800" u="none" kumimoji="0" normalizeH="0">
+          <a:defRPr kumimoji="0" sz="1800" b="0" i="0" u="none" strike="noStrike" cap="none" spc="0" normalizeH="0" baseline="0">
             <a:ln>
               <a:noFill/>
             </a:ln>
@@ -4776,7 +4744,7 @@
           <a:buFontTx/>
           <a:buNone/>
           <a:tabLst/>
-          <a:defRPr b="0" baseline="0" cap="none" i="0" spc="0" strike="noStrike" sz="1800" u="none" kumimoji="0" normalizeH="0">
+          <a:defRPr kumimoji="0" sz="1800" b="0" i="0" u="none" strike="noStrike" cap="none" spc="0" normalizeH="0" baseline="0">
             <a:ln>
               <a:noFill/>
             </a:ln>
@@ -4802,7 +4770,7 @@
           <a:buFontTx/>
           <a:buNone/>
           <a:tabLst/>
-          <a:defRPr b="0" baseline="0" cap="none" i="0" spc="0" strike="noStrike" sz="1800" u="none" kumimoji="0" normalizeH="0">
+          <a:defRPr kumimoji="0" sz="1800" b="0" i="0" u="none" strike="noStrike" cap="none" spc="0" normalizeH="0" baseline="0">
             <a:ln>
               <a:noFill/>
             </a:ln>
@@ -4828,7 +4796,7 @@
           <a:buFontTx/>
           <a:buNone/>
           <a:tabLst/>
-          <a:defRPr b="0" baseline="0" cap="none" i="0" spc="0" strike="noStrike" sz="1800" u="none" kumimoji="0" normalizeH="0">
+          <a:defRPr kumimoji="0" sz="1800" b="0" i="0" u="none" strike="noStrike" cap="none" spc="0" normalizeH="0" baseline="0">
             <a:ln>
               <a:noFill/>
             </a:ln>
@@ -4854,7 +4822,7 @@
           <a:buFontTx/>
           <a:buNone/>
           <a:tabLst/>
-          <a:defRPr b="0" baseline="0" cap="none" i="0" spc="0" strike="noStrike" sz="1800" u="none" kumimoji="0" normalizeH="0">
+          <a:defRPr kumimoji="0" sz="1800" b="0" i="0" u="none" strike="noStrike" cap="none" spc="0" normalizeH="0" baseline="0">
             <a:ln>
               <a:noFill/>
             </a:ln>
@@ -4867,9 +4835,15 @@
         </a:lvl9pPr>
       </a:lstStyle>
       <a:style>
-        <a:lnRef idx="0"/>
-        <a:fillRef idx="0"/>
-        <a:effectRef idx="0"/>
+        <a:lnRef idx="0">
+          <a:scrgbClr r="0" g="0" b="0"/>
+        </a:lnRef>
+        <a:fillRef idx="0">
+          <a:scrgbClr r="0" g="0" b="0"/>
+        </a:fillRef>
+        <a:effectRef idx="0">
+          <a:scrgbClr r="0" g="0" b="0"/>
+        </a:effectRef>
         <a:fontRef idx="none"/>
       </a:style>
     </a:lnDef>
@@ -4883,7 +4857,7 @@
         <a:effectLst/>
         <a:sp3d/>
       </a:spPr>
-      <a:bodyPr rot="0" spcFirstLastPara="1" vertOverflow="overflow" horzOverflow="overflow" vert="horz" wrap="square" lIns="71437" tIns="71437" rIns="71437" bIns="71437" numCol="1" spcCol="38100" rtlCol="0" anchor="ctr" upright="0">
+      <a:bodyPr rot="0" spcFirstLastPara="1" vertOverflow="overflow" horzOverflow="overflow" vert="horz" wrap="square" lIns="71437" tIns="71437" rIns="71437" bIns="71437" numCol="1" spcCol="38100" rtlCol="0" anchor="ctr">
         <a:spAutoFit/>
       </a:bodyPr>
       <a:lstStyle>
@@ -4902,7 +4876,7 @@
           <a:buFontTx/>
           <a:buNone/>
           <a:tabLst/>
-          <a:defRPr b="0" baseline="0" cap="none" i="0" spc="0" strike="noStrike" sz="5000" u="none" kumimoji="0" normalizeH="0">
+          <a:defRPr kumimoji="0" sz="5000" b="0" i="0" u="none" strike="noStrike" cap="none" spc="0" normalizeH="0" baseline="0">
             <a:ln>
               <a:noFill/>
             </a:ln>
@@ -4932,7 +4906,7 @@
           <a:buFontTx/>
           <a:buNone/>
           <a:tabLst/>
-          <a:defRPr b="0" baseline="0" cap="none" i="0" spc="0" strike="noStrike" sz="1800" u="none" kumimoji="0" normalizeH="0">
+          <a:defRPr kumimoji="0" sz="1800" b="0" i="0" u="none" strike="noStrike" cap="none" spc="0" normalizeH="0" baseline="0">
             <a:ln>
               <a:noFill/>
             </a:ln>
@@ -4958,7 +4932,7 @@
           <a:buFontTx/>
           <a:buNone/>
           <a:tabLst/>
-          <a:defRPr b="0" baseline="0" cap="none" i="0" spc="0" strike="noStrike" sz="1800" u="none" kumimoji="0" normalizeH="0">
+          <a:defRPr kumimoji="0" sz="1800" b="0" i="0" u="none" strike="noStrike" cap="none" spc="0" normalizeH="0" baseline="0">
             <a:ln>
               <a:noFill/>
             </a:ln>
@@ -4984,7 +4958,7 @@
           <a:buFontTx/>
           <a:buNone/>
           <a:tabLst/>
-          <a:defRPr b="0" baseline="0" cap="none" i="0" spc="0" strike="noStrike" sz="1800" u="none" kumimoji="0" normalizeH="0">
+          <a:defRPr kumimoji="0" sz="1800" b="0" i="0" u="none" strike="noStrike" cap="none" spc="0" normalizeH="0" baseline="0">
             <a:ln>
               <a:noFill/>
             </a:ln>
@@ -5010,7 +4984,7 @@
           <a:buFontTx/>
           <a:buNone/>
           <a:tabLst/>
-          <a:defRPr b="0" baseline="0" cap="none" i="0" spc="0" strike="noStrike" sz="1800" u="none" kumimoji="0" normalizeH="0">
+          <a:defRPr kumimoji="0" sz="1800" b="0" i="0" u="none" strike="noStrike" cap="none" spc="0" normalizeH="0" baseline="0">
             <a:ln>
               <a:noFill/>
             </a:ln>
@@ -5036,7 +5010,7 @@
           <a:buFontTx/>
           <a:buNone/>
           <a:tabLst/>
-          <a:defRPr b="0" baseline="0" cap="none" i="0" spc="0" strike="noStrike" sz="1800" u="none" kumimoji="0" normalizeH="0">
+          <a:defRPr kumimoji="0" sz="1800" b="0" i="0" u="none" strike="noStrike" cap="none" spc="0" normalizeH="0" baseline="0">
             <a:ln>
               <a:noFill/>
             </a:ln>
@@ -5062,7 +5036,7 @@
           <a:buFontTx/>
           <a:buNone/>
           <a:tabLst/>
-          <a:defRPr b="0" baseline="0" cap="none" i="0" spc="0" strike="noStrike" sz="1800" u="none" kumimoji="0" normalizeH="0">
+          <a:defRPr kumimoji="0" sz="1800" b="0" i="0" u="none" strike="noStrike" cap="none" spc="0" normalizeH="0" baseline="0">
             <a:ln>
               <a:noFill/>
             </a:ln>
@@ -5088,7 +5062,7 @@
           <a:buFontTx/>
           <a:buNone/>
           <a:tabLst/>
-          <a:defRPr b="0" baseline="0" cap="none" i="0" spc="0" strike="noStrike" sz="1800" u="none" kumimoji="0" normalizeH="0">
+          <a:defRPr kumimoji="0" sz="1800" b="0" i="0" u="none" strike="noStrike" cap="none" spc="0" normalizeH="0" baseline="0">
             <a:ln>
               <a:noFill/>
             </a:ln>
@@ -5114,7 +5088,7 @@
           <a:buFontTx/>
           <a:buNone/>
           <a:tabLst/>
-          <a:defRPr b="0" baseline="0" cap="none" i="0" spc="0" strike="noStrike" sz="1800" u="none" kumimoji="0" normalizeH="0">
+          <a:defRPr kumimoji="0" sz="1800" b="0" i="0" u="none" strike="noStrike" cap="none" spc="0" normalizeH="0" baseline="0">
             <a:ln>
               <a:noFill/>
             </a:ln>
@@ -5140,7 +5114,7 @@
           <a:buFontTx/>
           <a:buNone/>
           <a:tabLst/>
-          <a:defRPr b="0" baseline="0" cap="none" i="0" spc="0" strike="noStrike" sz="1800" u="none" kumimoji="0" normalizeH="0">
+          <a:defRPr kumimoji="0" sz="1800" b="0" i="0" u="none" strike="noStrike" cap="none" spc="0" normalizeH="0" baseline="0">
             <a:ln>
               <a:noFill/>
             </a:ln>
@@ -5153,18 +5127,25 @@
         </a:lvl9pPr>
       </a:lstStyle>
       <a:style>
-        <a:lnRef idx="0"/>
-        <a:fillRef idx="0"/>
-        <a:effectRef idx="0"/>
+        <a:lnRef idx="0">
+          <a:scrgbClr r="0" g="0" b="0"/>
+        </a:lnRef>
+        <a:fillRef idx="0">
+          <a:scrgbClr r="0" g="0" b="0"/>
+        </a:fillRef>
+        <a:effectRef idx="0">
+          <a:scrgbClr r="0" g="0" b="0"/>
+        </a:effectRef>
         <a:fontRef idx="none"/>
       </a:style>
     </a:txDef>
   </a:objectDefaults>
+  <a:extraClrSchemeLst/>
 </a:theme>
 </file>
 
 <file path=ppt/theme/theme2.xml><?xml version="1.0" encoding="utf-8"?>
-<a:theme xmlns:a="http://schemas.openxmlformats.org/drawingml/2006/main" xmlns:r="http://schemas.openxmlformats.org/officeDocument/2006/relationships" name="Showroom">
+<a:theme xmlns:a="http://schemas.openxmlformats.org/drawingml/2006/main" name="Showroom">
   <a:themeElements>
     <a:clrScheme name="Showroom">
       <a:dk1>
@@ -5363,7 +5344,7 @@
         <a:effectLst/>
         <a:sp3d/>
       </a:spPr>
-      <a:bodyPr rot="0" spcFirstLastPara="1" vertOverflow="overflow" horzOverflow="overflow" vert="horz" wrap="square" lIns="71437" tIns="71437" rIns="71437" bIns="71437" numCol="1" spcCol="38100" rtlCol="0" anchor="ctr" upright="0">
+      <a:bodyPr rot="0" spcFirstLastPara="1" vertOverflow="overflow" horzOverflow="overflow" vert="horz" wrap="square" lIns="71437" tIns="71437" rIns="71437" bIns="71437" numCol="1" spcCol="38100" rtlCol="0" anchor="ctr">
         <a:spAutoFit/>
       </a:bodyPr>
       <a:lstStyle>
@@ -5382,7 +5363,7 @@
           <a:buFontTx/>
           <a:buNone/>
           <a:tabLst/>
-          <a:defRPr b="0" baseline="0" cap="none" i="0" spc="0" strike="noStrike" sz="5000" u="none" kumimoji="0" normalizeH="0">
+          <a:defRPr kumimoji="0" sz="5000" b="0" i="0" u="none" strike="noStrike" cap="none" spc="0" normalizeH="0" baseline="0">
             <a:ln>
               <a:noFill/>
             </a:ln>
@@ -5412,7 +5393,7 @@
           <a:buFontTx/>
           <a:buNone/>
           <a:tabLst/>
-          <a:defRPr b="0" baseline="0" cap="none" i="0" spc="0" strike="noStrike" sz="1800" u="none" kumimoji="0" normalizeH="0">
+          <a:defRPr kumimoji="0" sz="1800" b="0" i="0" u="none" strike="noStrike" cap="none" spc="0" normalizeH="0" baseline="0">
             <a:ln>
               <a:noFill/>
             </a:ln>
@@ -5438,7 +5419,7 @@
           <a:buFontTx/>
           <a:buNone/>
           <a:tabLst/>
-          <a:defRPr b="0" baseline="0" cap="none" i="0" spc="0" strike="noStrike" sz="1800" u="none" kumimoji="0" normalizeH="0">
+          <a:defRPr kumimoji="0" sz="1800" b="0" i="0" u="none" strike="noStrike" cap="none" spc="0" normalizeH="0" baseline="0">
             <a:ln>
               <a:noFill/>
             </a:ln>
@@ -5464,7 +5445,7 @@
           <a:buFontTx/>
           <a:buNone/>
           <a:tabLst/>
-          <a:defRPr b="0" baseline="0" cap="none" i="0" spc="0" strike="noStrike" sz="1800" u="none" kumimoji="0" normalizeH="0">
+          <a:defRPr kumimoji="0" sz="1800" b="0" i="0" u="none" strike="noStrike" cap="none" spc="0" normalizeH="0" baseline="0">
             <a:ln>
               <a:noFill/>
             </a:ln>
@@ -5490,7 +5471,7 @@
           <a:buFontTx/>
           <a:buNone/>
           <a:tabLst/>
-          <a:defRPr b="0" baseline="0" cap="none" i="0" spc="0" strike="noStrike" sz="1800" u="none" kumimoji="0" normalizeH="0">
+          <a:defRPr kumimoji="0" sz="1800" b="0" i="0" u="none" strike="noStrike" cap="none" spc="0" normalizeH="0" baseline="0">
             <a:ln>
               <a:noFill/>
             </a:ln>
@@ -5516,7 +5497,7 @@
           <a:buFontTx/>
           <a:buNone/>
           <a:tabLst/>
-          <a:defRPr b="0" baseline="0" cap="none" i="0" spc="0" strike="noStrike" sz="1800" u="none" kumimoji="0" normalizeH="0">
+          <a:defRPr kumimoji="0" sz="1800" b="0" i="0" u="none" strike="noStrike" cap="none" spc="0" normalizeH="0" baseline="0">
             <a:ln>
               <a:noFill/>
             </a:ln>
@@ -5542,7 +5523,7 @@
           <a:buFontTx/>
           <a:buNone/>
           <a:tabLst/>
-          <a:defRPr b="0" baseline="0" cap="none" i="0" spc="0" strike="noStrike" sz="1800" u="none" kumimoji="0" normalizeH="0">
+          <a:defRPr kumimoji="0" sz="1800" b="0" i="0" u="none" strike="noStrike" cap="none" spc="0" normalizeH="0" baseline="0">
             <a:ln>
               <a:noFill/>
             </a:ln>
@@ -5568,7 +5549,7 @@
           <a:buFontTx/>
           <a:buNone/>
           <a:tabLst/>
-          <a:defRPr b="0" baseline="0" cap="none" i="0" spc="0" strike="noStrike" sz="1800" u="none" kumimoji="0" normalizeH="0">
+          <a:defRPr kumimoji="0" sz="1800" b="0" i="0" u="none" strike="noStrike" cap="none" spc="0" normalizeH="0" baseline="0">
             <a:ln>
               <a:noFill/>
             </a:ln>
@@ -5594,7 +5575,7 @@
           <a:buFontTx/>
           <a:buNone/>
           <a:tabLst/>
-          <a:defRPr b="0" baseline="0" cap="none" i="0" spc="0" strike="noStrike" sz="1800" u="none" kumimoji="0" normalizeH="0">
+          <a:defRPr kumimoji="0" sz="1800" b="0" i="0" u="none" strike="noStrike" cap="none" spc="0" normalizeH="0" baseline="0">
             <a:ln>
               <a:noFill/>
             </a:ln>
@@ -5620,7 +5601,7 @@
           <a:buFontTx/>
           <a:buNone/>
           <a:tabLst/>
-          <a:defRPr b="0" baseline="0" cap="none" i="0" spc="0" strike="noStrike" sz="1800" u="none" kumimoji="0" normalizeH="0">
+          <a:defRPr kumimoji="0" sz="1800" b="0" i="0" u="none" strike="noStrike" cap="none" spc="0" normalizeH="0" baseline="0">
             <a:ln>
               <a:noFill/>
             </a:ln>
@@ -5633,9 +5614,15 @@
         </a:lvl9pPr>
       </a:lstStyle>
       <a:style>
-        <a:lnRef idx="0"/>
-        <a:fillRef idx="0"/>
-        <a:effectRef idx="0"/>
+        <a:lnRef idx="0">
+          <a:scrgbClr r="0" g="0" b="0"/>
+        </a:lnRef>
+        <a:fillRef idx="0">
+          <a:scrgbClr r="0" g="0" b="0"/>
+        </a:fillRef>
+        <a:effectRef idx="0">
+          <a:scrgbClr r="0" g="0" b="0"/>
+        </a:effectRef>
         <a:fontRef idx="none"/>
       </a:style>
     </a:spDef>
@@ -5652,7 +5639,7 @@
         <a:effectLst/>
         <a:sp3d/>
       </a:spPr>
-      <a:bodyPr rot="0" spcFirstLastPara="1" vertOverflow="overflow" horzOverflow="overflow" vert="horz" wrap="square" lIns="91439" tIns="45719" rIns="91439" bIns="45719" numCol="1" spcCol="38100" rtlCol="0" anchor="t" upright="0">
+      <a:bodyPr rot="0" spcFirstLastPara="1" vertOverflow="overflow" horzOverflow="overflow" vert="horz" wrap="square" lIns="91439" tIns="45719" rIns="91439" bIns="45719" numCol="1" spcCol="38100" rtlCol="0" anchor="t">
         <a:noAutofit/>
       </a:bodyPr>
       <a:lstStyle>
@@ -5671,7 +5658,7 @@
           <a:buFontTx/>
           <a:buNone/>
           <a:tabLst/>
-          <a:defRPr b="0" baseline="0" cap="none" i="0" spc="0" strike="noStrike" sz="1800" u="none" kumimoji="0" normalizeH="0">
+          <a:defRPr kumimoji="0" sz="1800" b="0" i="0" u="none" strike="noStrike" cap="none" spc="0" normalizeH="0" baseline="0">
             <a:ln>
               <a:noFill/>
             </a:ln>
@@ -5697,7 +5684,7 @@
           <a:buFontTx/>
           <a:buNone/>
           <a:tabLst/>
-          <a:defRPr b="0" baseline="0" cap="none" i="0" spc="0" strike="noStrike" sz="1800" u="none" kumimoji="0" normalizeH="0">
+          <a:defRPr kumimoji="0" sz="1800" b="0" i="0" u="none" strike="noStrike" cap="none" spc="0" normalizeH="0" baseline="0">
             <a:ln>
               <a:noFill/>
             </a:ln>
@@ -5723,7 +5710,7 @@
           <a:buFontTx/>
           <a:buNone/>
           <a:tabLst/>
-          <a:defRPr b="0" baseline="0" cap="none" i="0" spc="0" strike="noStrike" sz="1800" u="none" kumimoji="0" normalizeH="0">
+          <a:defRPr kumimoji="0" sz="1800" b="0" i="0" u="none" strike="noStrike" cap="none" spc="0" normalizeH="0" baseline="0">
             <a:ln>
               <a:noFill/>
             </a:ln>
@@ -5749,7 +5736,7 @@
           <a:buFontTx/>
           <a:buNone/>
           <a:tabLst/>
-          <a:defRPr b="0" baseline="0" cap="none" i="0" spc="0" strike="noStrike" sz="1800" u="none" kumimoji="0" normalizeH="0">
+          <a:defRPr kumimoji="0" sz="1800" b="0" i="0" u="none" strike="noStrike" cap="none" spc="0" normalizeH="0" baseline="0">
             <a:ln>
               <a:noFill/>
             </a:ln>
@@ -5775,7 +5762,7 @@
           <a:buFontTx/>
           <a:buNone/>
           <a:tabLst/>
-          <a:defRPr b="0" baseline="0" cap="none" i="0" spc="0" strike="noStrike" sz="1800" u="none" kumimoji="0" normalizeH="0">
+          <a:defRPr kumimoji="0" sz="1800" b="0" i="0" u="none" strike="noStrike" cap="none" spc="0" normalizeH="0" baseline="0">
             <a:ln>
               <a:noFill/>
             </a:ln>
@@ -5801,7 +5788,7 @@
           <a:buFontTx/>
           <a:buNone/>
           <a:tabLst/>
-          <a:defRPr b="0" baseline="0" cap="none" i="0" spc="0" strike="noStrike" sz="1800" u="none" kumimoji="0" normalizeH="0">
+          <a:defRPr kumimoji="0" sz="1800" b="0" i="0" u="none" strike="noStrike" cap="none" spc="0" normalizeH="0" baseline="0">
             <a:ln>
               <a:noFill/>
             </a:ln>
@@ -5827,7 +5814,7 @@
           <a:buFontTx/>
           <a:buNone/>
           <a:tabLst/>
-          <a:defRPr b="0" baseline="0" cap="none" i="0" spc="0" strike="noStrike" sz="1800" u="none" kumimoji="0" normalizeH="0">
+          <a:defRPr kumimoji="0" sz="1800" b="0" i="0" u="none" strike="noStrike" cap="none" spc="0" normalizeH="0" baseline="0">
             <a:ln>
               <a:noFill/>
             </a:ln>
@@ -5853,7 +5840,7 @@
           <a:buFontTx/>
           <a:buNone/>
           <a:tabLst/>
-          <a:defRPr b="0" baseline="0" cap="none" i="0" spc="0" strike="noStrike" sz="1800" u="none" kumimoji="0" normalizeH="0">
+          <a:defRPr kumimoji="0" sz="1800" b="0" i="0" u="none" strike="noStrike" cap="none" spc="0" normalizeH="0" baseline="0">
             <a:ln>
               <a:noFill/>
             </a:ln>
@@ -5879,7 +5866,7 @@
           <a:buFontTx/>
           <a:buNone/>
           <a:tabLst/>
-          <a:defRPr b="0" baseline="0" cap="none" i="0" spc="0" strike="noStrike" sz="1800" u="none" kumimoji="0" normalizeH="0">
+          <a:defRPr kumimoji="0" sz="1800" b="0" i="0" u="none" strike="noStrike" cap="none" spc="0" normalizeH="0" baseline="0">
             <a:ln>
               <a:noFill/>
             </a:ln>
@@ -5905,7 +5892,7 @@
           <a:buFontTx/>
           <a:buNone/>
           <a:tabLst/>
-          <a:defRPr b="0" baseline="0" cap="none" i="0" spc="0" strike="noStrike" sz="1800" u="none" kumimoji="0" normalizeH="0">
+          <a:defRPr kumimoji="0" sz="1800" b="0" i="0" u="none" strike="noStrike" cap="none" spc="0" normalizeH="0" baseline="0">
             <a:ln>
               <a:noFill/>
             </a:ln>
@@ -5918,9 +5905,15 @@
         </a:lvl9pPr>
       </a:lstStyle>
       <a:style>
-        <a:lnRef idx="0"/>
-        <a:fillRef idx="0"/>
-        <a:effectRef idx="0"/>
+        <a:lnRef idx="0">
+          <a:scrgbClr r="0" g="0" b="0"/>
+        </a:lnRef>
+        <a:fillRef idx="0">
+          <a:scrgbClr r="0" g="0" b="0"/>
+        </a:fillRef>
+        <a:effectRef idx="0">
+          <a:scrgbClr r="0" g="0" b="0"/>
+        </a:effectRef>
         <a:fontRef idx="none"/>
       </a:style>
     </a:lnDef>
@@ -5934,7 +5927,7 @@
         <a:effectLst/>
         <a:sp3d/>
       </a:spPr>
-      <a:bodyPr rot="0" spcFirstLastPara="1" vertOverflow="overflow" horzOverflow="overflow" vert="horz" wrap="square" lIns="71437" tIns="71437" rIns="71437" bIns="71437" numCol="1" spcCol="38100" rtlCol="0" anchor="ctr" upright="0">
+      <a:bodyPr rot="0" spcFirstLastPara="1" vertOverflow="overflow" horzOverflow="overflow" vert="horz" wrap="square" lIns="71437" tIns="71437" rIns="71437" bIns="71437" numCol="1" spcCol="38100" rtlCol="0" anchor="ctr">
         <a:spAutoFit/>
       </a:bodyPr>
       <a:lstStyle>
@@ -5953,7 +5946,7 @@
           <a:buFontTx/>
           <a:buNone/>
           <a:tabLst/>
-          <a:defRPr b="0" baseline="0" cap="none" i="0" spc="0" strike="noStrike" sz="5000" u="none" kumimoji="0" normalizeH="0">
+          <a:defRPr kumimoji="0" sz="5000" b="0" i="0" u="none" strike="noStrike" cap="none" spc="0" normalizeH="0" baseline="0">
             <a:ln>
               <a:noFill/>
             </a:ln>
@@ -5983,7 +5976,7 @@
           <a:buFontTx/>
           <a:buNone/>
           <a:tabLst/>
-          <a:defRPr b="0" baseline="0" cap="none" i="0" spc="0" strike="noStrike" sz="1800" u="none" kumimoji="0" normalizeH="0">
+          <a:defRPr kumimoji="0" sz="1800" b="0" i="0" u="none" strike="noStrike" cap="none" spc="0" normalizeH="0" baseline="0">
             <a:ln>
               <a:noFill/>
             </a:ln>
@@ -6009,7 +6002,7 @@
           <a:buFontTx/>
           <a:buNone/>
           <a:tabLst/>
-          <a:defRPr b="0" baseline="0" cap="none" i="0" spc="0" strike="noStrike" sz="1800" u="none" kumimoji="0" normalizeH="0">
+          <a:defRPr kumimoji="0" sz="1800" b="0" i="0" u="none" strike="noStrike" cap="none" spc="0" normalizeH="0" baseline="0">
             <a:ln>
               <a:noFill/>
             </a:ln>
@@ -6035,7 +6028,7 @@
           <a:buFontTx/>
           <a:buNone/>
           <a:tabLst/>
-          <a:defRPr b="0" baseline="0" cap="none" i="0" spc="0" strike="noStrike" sz="1800" u="none" kumimoji="0" normalizeH="0">
+          <a:defRPr kumimoji="0" sz="1800" b="0" i="0" u="none" strike="noStrike" cap="none" spc="0" normalizeH="0" baseline="0">
             <a:ln>
               <a:noFill/>
             </a:ln>
@@ -6061,7 +6054,7 @@
           <a:buFontTx/>
           <a:buNone/>
           <a:tabLst/>
-          <a:defRPr b="0" baseline="0" cap="none" i="0" spc="0" strike="noStrike" sz="1800" u="none" kumimoji="0" normalizeH="0">
+          <a:defRPr kumimoji="0" sz="1800" b="0" i="0" u="none" strike="noStrike" cap="none" spc="0" normalizeH="0" baseline="0">
             <a:ln>
               <a:noFill/>
             </a:ln>
@@ -6087,7 +6080,7 @@
           <a:buFontTx/>
           <a:buNone/>
           <a:tabLst/>
-          <a:defRPr b="0" baseline="0" cap="none" i="0" spc="0" strike="noStrike" sz="1800" u="none" kumimoji="0" normalizeH="0">
+          <a:defRPr kumimoji="0" sz="1800" b="0" i="0" u="none" strike="noStrike" cap="none" spc="0" normalizeH="0" baseline="0">
             <a:ln>
               <a:noFill/>
             </a:ln>
@@ -6113,7 +6106,7 @@
           <a:buFontTx/>
           <a:buNone/>
           <a:tabLst/>
-          <a:defRPr b="0" baseline="0" cap="none" i="0" spc="0" strike="noStrike" sz="1800" u="none" kumimoji="0" normalizeH="0">
+          <a:defRPr kumimoji="0" sz="1800" b="0" i="0" u="none" strike="noStrike" cap="none" spc="0" normalizeH="0" baseline="0">
             <a:ln>
               <a:noFill/>
             </a:ln>
@@ -6139,7 +6132,7 @@
           <a:buFontTx/>
           <a:buNone/>
           <a:tabLst/>
-          <a:defRPr b="0" baseline="0" cap="none" i="0" spc="0" strike="noStrike" sz="1800" u="none" kumimoji="0" normalizeH="0">
+          <a:defRPr kumimoji="0" sz="1800" b="0" i="0" u="none" strike="noStrike" cap="none" spc="0" normalizeH="0" baseline="0">
             <a:ln>
               <a:noFill/>
             </a:ln>
@@ -6165,7 +6158,7 @@
           <a:buFontTx/>
           <a:buNone/>
           <a:tabLst/>
-          <a:defRPr b="0" baseline="0" cap="none" i="0" spc="0" strike="noStrike" sz="1800" u="none" kumimoji="0" normalizeH="0">
+          <a:defRPr kumimoji="0" sz="1800" b="0" i="0" u="none" strike="noStrike" cap="none" spc="0" normalizeH="0" baseline="0">
             <a:ln>
               <a:noFill/>
             </a:ln>
@@ -6191,7 +6184,7 @@
           <a:buFontTx/>
           <a:buNone/>
           <a:tabLst/>
-          <a:defRPr b="0" baseline="0" cap="none" i="0" spc="0" strike="noStrike" sz="1800" u="none" kumimoji="0" normalizeH="0">
+          <a:defRPr kumimoji="0" sz="1800" b="0" i="0" u="none" strike="noStrike" cap="none" spc="0" normalizeH="0" baseline="0">
             <a:ln>
               <a:noFill/>
             </a:ln>
@@ -6204,12 +6197,19 @@
         </a:lvl9pPr>
       </a:lstStyle>
       <a:style>
-        <a:lnRef idx="0"/>
-        <a:fillRef idx="0"/>
-        <a:effectRef idx="0"/>
+        <a:lnRef idx="0">
+          <a:scrgbClr r="0" g="0" b="0"/>
+        </a:lnRef>
+        <a:fillRef idx="0">
+          <a:scrgbClr r="0" g="0" b="0"/>
+        </a:fillRef>
+        <a:effectRef idx="0">
+          <a:scrgbClr r="0" g="0" b="0"/>
+        </a:effectRef>
         <a:fontRef idx="none"/>
       </a:style>
     </a:txDef>
   </a:objectDefaults>
+  <a:extraClrSchemeLst/>
 </a:theme>
 </file>